--- a/Schema_columns.pptx
+++ b/Schema_columns.pptx
@@ -5,7 +5,7 @@
     <p:sldMasterId id="2147483660" r:id="rId4"/>
   </p:sldMasterIdLst>
   <p:notesMasterIdLst>
-    <p:notesMasterId r:id="rId25"/>
+    <p:notesMasterId r:id="rId30"/>
   </p:notesMasterIdLst>
   <p:sldIdLst>
     <p:sldId id="262" r:id="rId5"/>
@@ -28,6 +28,11 @@
     <p:sldId id="279" r:id="rId22"/>
     <p:sldId id="280" r:id="rId23"/>
     <p:sldId id="281" r:id="rId24"/>
+    <p:sldId id="282" r:id="rId25"/>
+    <p:sldId id="283" r:id="rId26"/>
+    <p:sldId id="284" r:id="rId27"/>
+    <p:sldId id="285" r:id="rId28"/>
+    <p:sldId id="286" r:id="rId29"/>
   </p:sldIdLst>
   <p:sldSz cx="12192000" cy="6858000"/>
   <p:notesSz cx="6858000" cy="9144000"/>
@@ -1570,7 +1575,12 @@
             <p:ph sz="quarter" idx="11"/>
           </p:nvPr>
         </p:nvSpPr>
-        <p:spPr/>
+        <p:spPr>
+          <a:xfrm>
+            <a:off x="631825" y="1088571"/>
+            <a:ext cx="10928350" cy="5632904"/>
+          </a:xfrm>
+        </p:spPr>
         <p:txBody>
           <a:bodyPr>
             <a:normAutofit/>
@@ -1646,7 +1656,7 @@
         <p:cNvPr id="1" name="">
           <a:extLst>
             <a:ext uri="{FF2B5EF4-FFF2-40B4-BE49-F238E27FC236}">
-              <a16:creationId xmlns:a16="http://schemas.microsoft.com/office/drawing/2014/main" id="{00D92035-59B8-11DB-AD42-A6D2A192133A}"/>
+              <a16:creationId xmlns:a16="http://schemas.microsoft.com/office/drawing/2014/main" id="{D15E2EA4-53A6-D30B-88E1-1E674380FA66}"/>
             </a:ext>
           </a:extLst>
         </p:cNvPr>
@@ -1666,7 +1676,7 @@
           <p:cNvPr id="2" name="Text Placeholder 1">
             <a:extLst>
               <a:ext uri="{FF2B5EF4-FFF2-40B4-BE49-F238E27FC236}">
-                <a16:creationId xmlns:a16="http://schemas.microsoft.com/office/drawing/2014/main" id="{6F4DC966-03A4-0A0B-5D0B-B555439C71DA}"/>
+                <a16:creationId xmlns:a16="http://schemas.microsoft.com/office/drawing/2014/main" id="{F6104643-3765-8442-BF85-DB5BA10DA2B1}"/>
               </a:ext>
             </a:extLst>
           </p:cNvPr>
@@ -1695,7 +1705,7 @@
           <p:cNvPr id="3" name="Title 2">
             <a:extLst>
               <a:ext uri="{FF2B5EF4-FFF2-40B4-BE49-F238E27FC236}">
-                <a16:creationId xmlns:a16="http://schemas.microsoft.com/office/drawing/2014/main" id="{28990029-996E-613E-DC00-04DA443A1F60}"/>
+                <a16:creationId xmlns:a16="http://schemas.microsoft.com/office/drawing/2014/main" id="{1C27E575-6239-B49A-F14E-47FBFF67778B}"/>
               </a:ext>
             </a:extLst>
           </p:cNvPr>
@@ -1724,7 +1734,7 @@
           <p:cNvPr id="4" name="Content Placeholder 3">
             <a:extLst>
               <a:ext uri="{FF2B5EF4-FFF2-40B4-BE49-F238E27FC236}">
-                <a16:creationId xmlns:a16="http://schemas.microsoft.com/office/drawing/2014/main" id="{1A038FE8-49CE-8856-493F-51268EA4AC62}"/>
+                <a16:creationId xmlns:a16="http://schemas.microsoft.com/office/drawing/2014/main" id="{0EC38829-9098-B4FD-1E06-099B0F2A0B63}"/>
               </a:ext>
             </a:extLst>
           </p:cNvPr>
@@ -1735,7 +1745,12 @@
             <p:ph sz="quarter" idx="11"/>
           </p:nvPr>
         </p:nvSpPr>
-        <p:spPr/>
+        <p:spPr>
+          <a:xfrm>
+            <a:off x="631825" y="1088571"/>
+            <a:ext cx="10928350" cy="5632904"/>
+          </a:xfrm>
+        </p:spPr>
         <p:txBody>
           <a:bodyPr>
             <a:normAutofit/>
@@ -1781,7 +1796,7 @@
     </p:spTree>
     <p:extLst>
       <p:ext uri="{BB962C8B-B14F-4D97-AF65-F5344CB8AC3E}">
-        <p14:creationId xmlns:p14="http://schemas.microsoft.com/office/powerpoint/2010/main" val="3632256729"/>
+        <p14:creationId xmlns:p14="http://schemas.microsoft.com/office/powerpoint/2010/main" val="853817180"/>
       </p:ext>
     </p:extLst>
   </p:cSld>
@@ -1811,7 +1826,7 @@
         <p:cNvPr id="1" name="">
           <a:extLst>
             <a:ext uri="{FF2B5EF4-FFF2-40B4-BE49-F238E27FC236}">
-              <a16:creationId xmlns:a16="http://schemas.microsoft.com/office/drawing/2014/main" id="{029B73A6-B278-E036-FB2C-0B8847D27873}"/>
+              <a16:creationId xmlns:a16="http://schemas.microsoft.com/office/drawing/2014/main" id="{B17FF7AB-5C26-07DE-2CAE-FF8EABEA2BC4}"/>
             </a:ext>
           </a:extLst>
         </p:cNvPr>
@@ -1831,7 +1846,7 @@
           <p:cNvPr id="2" name="Text Placeholder 1">
             <a:extLst>
               <a:ext uri="{FF2B5EF4-FFF2-40B4-BE49-F238E27FC236}">
-                <a16:creationId xmlns:a16="http://schemas.microsoft.com/office/drawing/2014/main" id="{8DAF40A4-6A0B-4E87-2D8D-0F05212A8E28}"/>
+                <a16:creationId xmlns:a16="http://schemas.microsoft.com/office/drawing/2014/main" id="{F15BACC1-4A90-A80B-3F24-57CF4CC968BA}"/>
               </a:ext>
             </a:extLst>
           </p:cNvPr>
@@ -1860,7 +1875,7 @@
           <p:cNvPr id="3" name="Title 2">
             <a:extLst>
               <a:ext uri="{FF2B5EF4-FFF2-40B4-BE49-F238E27FC236}">
-                <a16:creationId xmlns:a16="http://schemas.microsoft.com/office/drawing/2014/main" id="{B1EA9DF8-AE3B-A8CD-9E8F-7B68D942AD73}"/>
+                <a16:creationId xmlns:a16="http://schemas.microsoft.com/office/drawing/2014/main" id="{F275F8B7-BF37-F45B-843D-DA3EF4CBFFE2}"/>
               </a:ext>
             </a:extLst>
           </p:cNvPr>
@@ -1889,7 +1904,7 @@
           <p:cNvPr id="4" name="Content Placeholder 3">
             <a:extLst>
               <a:ext uri="{FF2B5EF4-FFF2-40B4-BE49-F238E27FC236}">
-                <a16:creationId xmlns:a16="http://schemas.microsoft.com/office/drawing/2014/main" id="{A9262B36-6CFC-07B8-2767-BEF7D9E8D74E}"/>
+                <a16:creationId xmlns:a16="http://schemas.microsoft.com/office/drawing/2014/main" id="{34A19B28-E2A4-EAEB-DF9C-5FDD2294AB04}"/>
               </a:ext>
             </a:extLst>
           </p:cNvPr>
@@ -1900,7 +1915,12 @@
             <p:ph sz="quarter" idx="11"/>
           </p:nvPr>
         </p:nvSpPr>
-        <p:spPr/>
+        <p:spPr>
+          <a:xfrm>
+            <a:off x="631825" y="1088571"/>
+            <a:ext cx="10928350" cy="5632904"/>
+          </a:xfrm>
+        </p:spPr>
         <p:txBody>
           <a:bodyPr>
             <a:normAutofit/>
@@ -1946,7 +1966,7 @@
     </p:spTree>
     <p:extLst>
       <p:ext uri="{BB962C8B-B14F-4D97-AF65-F5344CB8AC3E}">
-        <p14:creationId xmlns:p14="http://schemas.microsoft.com/office/powerpoint/2010/main" val="3243491024"/>
+        <p14:creationId xmlns:p14="http://schemas.microsoft.com/office/powerpoint/2010/main" val="911901489"/>
       </p:ext>
     </p:extLst>
   </p:cSld>
@@ -1976,7 +1996,7 @@
         <p:cNvPr id="1" name="">
           <a:extLst>
             <a:ext uri="{FF2B5EF4-FFF2-40B4-BE49-F238E27FC236}">
-              <a16:creationId xmlns:a16="http://schemas.microsoft.com/office/drawing/2014/main" id="{A9779051-573C-425C-9DFA-50A56636D1D2}"/>
+              <a16:creationId xmlns:a16="http://schemas.microsoft.com/office/drawing/2014/main" id="{70907E53-07DB-C54C-B8BD-AA810093EE26}"/>
             </a:ext>
           </a:extLst>
         </p:cNvPr>
@@ -1996,7 +2016,7 @@
           <p:cNvPr id="2" name="Text Placeholder 1">
             <a:extLst>
               <a:ext uri="{FF2B5EF4-FFF2-40B4-BE49-F238E27FC236}">
-                <a16:creationId xmlns:a16="http://schemas.microsoft.com/office/drawing/2014/main" id="{D4EF7CD4-D8C6-D05D-F150-AC80BB16ADB9}"/>
+                <a16:creationId xmlns:a16="http://schemas.microsoft.com/office/drawing/2014/main" id="{0A53D4AF-F252-1870-0A61-994621A1B8CB}"/>
               </a:ext>
             </a:extLst>
           </p:cNvPr>
@@ -2025,7 +2045,7 @@
           <p:cNvPr id="3" name="Title 2">
             <a:extLst>
               <a:ext uri="{FF2B5EF4-FFF2-40B4-BE49-F238E27FC236}">
-                <a16:creationId xmlns:a16="http://schemas.microsoft.com/office/drawing/2014/main" id="{3A8899C5-0072-41A1-9A33-10F440BF5081}"/>
+                <a16:creationId xmlns:a16="http://schemas.microsoft.com/office/drawing/2014/main" id="{A2E4FC2B-37D7-7B7D-6A9D-13C7FD9BBFA7}"/>
               </a:ext>
             </a:extLst>
           </p:cNvPr>
@@ -2054,7 +2074,7 @@
           <p:cNvPr id="4" name="Content Placeholder 3">
             <a:extLst>
               <a:ext uri="{FF2B5EF4-FFF2-40B4-BE49-F238E27FC236}">
-                <a16:creationId xmlns:a16="http://schemas.microsoft.com/office/drawing/2014/main" id="{013910EA-22B3-3338-52E3-A92EABD8A031}"/>
+                <a16:creationId xmlns:a16="http://schemas.microsoft.com/office/drawing/2014/main" id="{2CF3220D-428E-7BA6-2A33-5603EB314E34}"/>
               </a:ext>
             </a:extLst>
           </p:cNvPr>
@@ -2065,7 +2085,12 @@
             <p:ph sz="quarter" idx="11"/>
           </p:nvPr>
         </p:nvSpPr>
-        <p:spPr/>
+        <p:spPr>
+          <a:xfrm>
+            <a:off x="631825" y="1088571"/>
+            <a:ext cx="10928350" cy="5632904"/>
+          </a:xfrm>
+        </p:spPr>
         <p:txBody>
           <a:bodyPr>
             <a:normAutofit/>
@@ -2111,7 +2136,7 @@
     </p:spTree>
     <p:extLst>
       <p:ext uri="{BB962C8B-B14F-4D97-AF65-F5344CB8AC3E}">
-        <p14:creationId xmlns:p14="http://schemas.microsoft.com/office/powerpoint/2010/main" val="1523361666"/>
+        <p14:creationId xmlns:p14="http://schemas.microsoft.com/office/powerpoint/2010/main" val="3098531193"/>
       </p:ext>
     </p:extLst>
   </p:cSld>
@@ -2141,7 +2166,7 @@
         <p:cNvPr id="1" name="">
           <a:extLst>
             <a:ext uri="{FF2B5EF4-FFF2-40B4-BE49-F238E27FC236}">
-              <a16:creationId xmlns:a16="http://schemas.microsoft.com/office/drawing/2014/main" id="{4F3DAF4D-6F27-076A-E17A-7911A2C67FBE}"/>
+              <a16:creationId xmlns:a16="http://schemas.microsoft.com/office/drawing/2014/main" id="{4F1C8052-B17D-A5B2-952A-7A679408C164}"/>
             </a:ext>
           </a:extLst>
         </p:cNvPr>
@@ -2161,7 +2186,7 @@
           <p:cNvPr id="2" name="Text Placeholder 1">
             <a:extLst>
               <a:ext uri="{FF2B5EF4-FFF2-40B4-BE49-F238E27FC236}">
-                <a16:creationId xmlns:a16="http://schemas.microsoft.com/office/drawing/2014/main" id="{66CC6B8F-E2D5-97B4-057B-44FB9348A6F9}"/>
+                <a16:creationId xmlns:a16="http://schemas.microsoft.com/office/drawing/2014/main" id="{260C6574-8D8F-22D2-4E19-9B5A66531289}"/>
               </a:ext>
             </a:extLst>
           </p:cNvPr>
@@ -2190,7 +2215,7 @@
           <p:cNvPr id="3" name="Title 2">
             <a:extLst>
               <a:ext uri="{FF2B5EF4-FFF2-40B4-BE49-F238E27FC236}">
-                <a16:creationId xmlns:a16="http://schemas.microsoft.com/office/drawing/2014/main" id="{74DF3974-1D22-6044-36ED-879880910D00}"/>
+                <a16:creationId xmlns:a16="http://schemas.microsoft.com/office/drawing/2014/main" id="{8F9E5399-5F33-4F10-A8B7-15AEAE32697B}"/>
               </a:ext>
             </a:extLst>
           </p:cNvPr>
@@ -2219,7 +2244,7 @@
           <p:cNvPr id="4" name="Content Placeholder 3">
             <a:extLst>
               <a:ext uri="{FF2B5EF4-FFF2-40B4-BE49-F238E27FC236}">
-                <a16:creationId xmlns:a16="http://schemas.microsoft.com/office/drawing/2014/main" id="{F21195D1-64C4-E4D6-3F8B-987768363635}"/>
+                <a16:creationId xmlns:a16="http://schemas.microsoft.com/office/drawing/2014/main" id="{ABB26D55-7C61-BB85-73F4-92571925C8DA}"/>
               </a:ext>
             </a:extLst>
           </p:cNvPr>
@@ -2230,7 +2255,12 @@
             <p:ph sz="quarter" idx="11"/>
           </p:nvPr>
         </p:nvSpPr>
-        <p:spPr/>
+        <p:spPr>
+          <a:xfrm>
+            <a:off x="631825" y="1088571"/>
+            <a:ext cx="10928350" cy="5632904"/>
+          </a:xfrm>
+        </p:spPr>
         <p:txBody>
           <a:bodyPr>
             <a:normAutofit/>
@@ -2276,7 +2306,7 @@
     </p:spTree>
     <p:extLst>
       <p:ext uri="{BB962C8B-B14F-4D97-AF65-F5344CB8AC3E}">
-        <p14:creationId xmlns:p14="http://schemas.microsoft.com/office/powerpoint/2010/main" val="1808937842"/>
+        <p14:creationId xmlns:p14="http://schemas.microsoft.com/office/powerpoint/2010/main" val="2789553259"/>
       </p:ext>
     </p:extLst>
   </p:cSld>
@@ -2306,7 +2336,7 @@
         <p:cNvPr id="1" name="">
           <a:extLst>
             <a:ext uri="{FF2B5EF4-FFF2-40B4-BE49-F238E27FC236}">
-              <a16:creationId xmlns:a16="http://schemas.microsoft.com/office/drawing/2014/main" id="{8E5FC972-1A50-D05C-D9E5-8C685B918A4C}"/>
+              <a16:creationId xmlns:a16="http://schemas.microsoft.com/office/drawing/2014/main" id="{7ECE3B9B-9A88-51F3-6718-8AB99A039F6B}"/>
             </a:ext>
           </a:extLst>
         </p:cNvPr>
@@ -2326,7 +2356,7 @@
           <p:cNvPr id="2" name="Text Placeholder 1">
             <a:extLst>
               <a:ext uri="{FF2B5EF4-FFF2-40B4-BE49-F238E27FC236}">
-                <a16:creationId xmlns:a16="http://schemas.microsoft.com/office/drawing/2014/main" id="{31B8610D-50A4-E123-3970-2A94415B723E}"/>
+                <a16:creationId xmlns:a16="http://schemas.microsoft.com/office/drawing/2014/main" id="{333D4A94-C845-D6B3-C922-16C5D98EE2BF}"/>
               </a:ext>
             </a:extLst>
           </p:cNvPr>
@@ -2355,7 +2385,7 @@
           <p:cNvPr id="3" name="Title 2">
             <a:extLst>
               <a:ext uri="{FF2B5EF4-FFF2-40B4-BE49-F238E27FC236}">
-                <a16:creationId xmlns:a16="http://schemas.microsoft.com/office/drawing/2014/main" id="{D8176C99-A6A1-7363-1C98-F69435B19E63}"/>
+                <a16:creationId xmlns:a16="http://schemas.microsoft.com/office/drawing/2014/main" id="{67DD9071-C937-78D0-18FF-D4E56482F2DE}"/>
               </a:ext>
             </a:extLst>
           </p:cNvPr>
@@ -2384,7 +2414,7 @@
           <p:cNvPr id="4" name="Content Placeholder 3">
             <a:extLst>
               <a:ext uri="{FF2B5EF4-FFF2-40B4-BE49-F238E27FC236}">
-                <a16:creationId xmlns:a16="http://schemas.microsoft.com/office/drawing/2014/main" id="{8C661EA3-79F8-2776-A930-73936678714A}"/>
+                <a16:creationId xmlns:a16="http://schemas.microsoft.com/office/drawing/2014/main" id="{22B44301-A206-491B-CD91-D24FD8CCFC2E}"/>
               </a:ext>
             </a:extLst>
           </p:cNvPr>
@@ -2395,7 +2425,12 @@
             <p:ph sz="quarter" idx="11"/>
           </p:nvPr>
         </p:nvSpPr>
-        <p:spPr/>
+        <p:spPr>
+          <a:xfrm>
+            <a:off x="631825" y="1088571"/>
+            <a:ext cx="10928350" cy="5632904"/>
+          </a:xfrm>
+        </p:spPr>
         <p:txBody>
           <a:bodyPr>
             <a:normAutofit/>
@@ -2441,7 +2476,7 @@
     </p:spTree>
     <p:extLst>
       <p:ext uri="{BB962C8B-B14F-4D97-AF65-F5344CB8AC3E}">
-        <p14:creationId xmlns:p14="http://schemas.microsoft.com/office/powerpoint/2010/main" val="1429681804"/>
+        <p14:creationId xmlns:p14="http://schemas.microsoft.com/office/powerpoint/2010/main" val="3446796842"/>
       </p:ext>
     </p:extLst>
   </p:cSld>
@@ -2471,7 +2506,7 @@
         <p:cNvPr id="1" name="">
           <a:extLst>
             <a:ext uri="{FF2B5EF4-FFF2-40B4-BE49-F238E27FC236}">
-              <a16:creationId xmlns:a16="http://schemas.microsoft.com/office/drawing/2014/main" id="{207A8B4C-9E2F-92F0-EF0B-AE1DE9480992}"/>
+              <a16:creationId xmlns:a16="http://schemas.microsoft.com/office/drawing/2014/main" id="{793DDCE8-30FD-F6BA-9AAD-37895B2C40F9}"/>
             </a:ext>
           </a:extLst>
         </p:cNvPr>
@@ -2491,7 +2526,7 @@
           <p:cNvPr id="2" name="Text Placeholder 1">
             <a:extLst>
               <a:ext uri="{FF2B5EF4-FFF2-40B4-BE49-F238E27FC236}">
-                <a16:creationId xmlns:a16="http://schemas.microsoft.com/office/drawing/2014/main" id="{90C95CCF-8192-2780-67C9-A7D078FD9494}"/>
+                <a16:creationId xmlns:a16="http://schemas.microsoft.com/office/drawing/2014/main" id="{BE42D427-FB0F-5ECC-3273-C08E8559A47D}"/>
               </a:ext>
             </a:extLst>
           </p:cNvPr>
@@ -2520,7 +2555,7 @@
           <p:cNvPr id="3" name="Title 2">
             <a:extLst>
               <a:ext uri="{FF2B5EF4-FFF2-40B4-BE49-F238E27FC236}">
-                <a16:creationId xmlns:a16="http://schemas.microsoft.com/office/drawing/2014/main" id="{274C7ABA-FF85-D745-0EAB-229F67334C13}"/>
+                <a16:creationId xmlns:a16="http://schemas.microsoft.com/office/drawing/2014/main" id="{29F606D9-71B5-493D-359C-68F470DAAB92}"/>
               </a:ext>
             </a:extLst>
           </p:cNvPr>
@@ -2549,7 +2584,7 @@
           <p:cNvPr id="4" name="Content Placeholder 3">
             <a:extLst>
               <a:ext uri="{FF2B5EF4-FFF2-40B4-BE49-F238E27FC236}">
-                <a16:creationId xmlns:a16="http://schemas.microsoft.com/office/drawing/2014/main" id="{CF637338-6A21-9964-4CE0-A582C30DEEC5}"/>
+                <a16:creationId xmlns:a16="http://schemas.microsoft.com/office/drawing/2014/main" id="{F583445E-5612-EC50-DDC7-DB8BC4EE2636}"/>
               </a:ext>
             </a:extLst>
           </p:cNvPr>
@@ -2560,7 +2595,12 @@
             <p:ph sz="quarter" idx="11"/>
           </p:nvPr>
         </p:nvSpPr>
-        <p:spPr/>
+        <p:spPr>
+          <a:xfrm>
+            <a:off x="631825" y="1088571"/>
+            <a:ext cx="10928350" cy="5632904"/>
+          </a:xfrm>
+        </p:spPr>
         <p:txBody>
           <a:bodyPr>
             <a:normAutofit/>
@@ -2606,7 +2646,7 @@
     </p:spTree>
     <p:extLst>
       <p:ext uri="{BB962C8B-B14F-4D97-AF65-F5344CB8AC3E}">
-        <p14:creationId xmlns:p14="http://schemas.microsoft.com/office/powerpoint/2010/main" val="1793856246"/>
+        <p14:creationId xmlns:p14="http://schemas.microsoft.com/office/powerpoint/2010/main" val="3438681047"/>
       </p:ext>
     </p:extLst>
   </p:cSld>
@@ -2636,7 +2676,7 @@
         <p:cNvPr id="1" name="">
           <a:extLst>
             <a:ext uri="{FF2B5EF4-FFF2-40B4-BE49-F238E27FC236}">
-              <a16:creationId xmlns:a16="http://schemas.microsoft.com/office/drawing/2014/main" id="{90660053-4CA8-B90D-70F5-168D90F92CF4}"/>
+              <a16:creationId xmlns:a16="http://schemas.microsoft.com/office/drawing/2014/main" id="{D7DCD8D4-E5A0-7DB2-5EF0-37A5D9029C8C}"/>
             </a:ext>
           </a:extLst>
         </p:cNvPr>
@@ -2656,7 +2696,7 @@
           <p:cNvPr id="2" name="Text Placeholder 1">
             <a:extLst>
               <a:ext uri="{FF2B5EF4-FFF2-40B4-BE49-F238E27FC236}">
-                <a16:creationId xmlns:a16="http://schemas.microsoft.com/office/drawing/2014/main" id="{1726D447-CBF6-D158-C237-73C099D98E7F}"/>
+                <a16:creationId xmlns:a16="http://schemas.microsoft.com/office/drawing/2014/main" id="{2FDDA338-FA1D-3686-07C9-FB54353DAAC9}"/>
               </a:ext>
             </a:extLst>
           </p:cNvPr>
@@ -2685,7 +2725,7 @@
           <p:cNvPr id="3" name="Title 2">
             <a:extLst>
               <a:ext uri="{FF2B5EF4-FFF2-40B4-BE49-F238E27FC236}">
-                <a16:creationId xmlns:a16="http://schemas.microsoft.com/office/drawing/2014/main" id="{70DECDA5-4C9E-F421-0704-82C37A2CAB4D}"/>
+                <a16:creationId xmlns:a16="http://schemas.microsoft.com/office/drawing/2014/main" id="{C3750EBF-C7AB-CAB4-CBCF-6DDB21574E6A}"/>
               </a:ext>
             </a:extLst>
           </p:cNvPr>
@@ -2714,7 +2754,7 @@
           <p:cNvPr id="4" name="Content Placeholder 3">
             <a:extLst>
               <a:ext uri="{FF2B5EF4-FFF2-40B4-BE49-F238E27FC236}">
-                <a16:creationId xmlns:a16="http://schemas.microsoft.com/office/drawing/2014/main" id="{6BC187B7-0699-F62C-0866-E3D6E4D4C63A}"/>
+                <a16:creationId xmlns:a16="http://schemas.microsoft.com/office/drawing/2014/main" id="{2F4FD2AE-58CE-3494-A19E-89815FC13442}"/>
               </a:ext>
             </a:extLst>
           </p:cNvPr>
@@ -2725,7 +2765,12 @@
             <p:ph sz="quarter" idx="11"/>
           </p:nvPr>
         </p:nvSpPr>
-        <p:spPr/>
+        <p:spPr>
+          <a:xfrm>
+            <a:off x="631825" y="1088571"/>
+            <a:ext cx="10928350" cy="5632904"/>
+          </a:xfrm>
+        </p:spPr>
         <p:txBody>
           <a:bodyPr>
             <a:normAutofit/>
@@ -2771,7 +2816,7 @@
     </p:spTree>
     <p:extLst>
       <p:ext uri="{BB962C8B-B14F-4D97-AF65-F5344CB8AC3E}">
-        <p14:creationId xmlns:p14="http://schemas.microsoft.com/office/powerpoint/2010/main" val="2388417409"/>
+        <p14:creationId xmlns:p14="http://schemas.microsoft.com/office/powerpoint/2010/main" val="2444856157"/>
       </p:ext>
     </p:extLst>
   </p:cSld>
@@ -2801,7 +2846,7 @@
         <p:cNvPr id="1" name="">
           <a:extLst>
             <a:ext uri="{FF2B5EF4-FFF2-40B4-BE49-F238E27FC236}">
-              <a16:creationId xmlns:a16="http://schemas.microsoft.com/office/drawing/2014/main" id="{53F43A6B-54F7-C955-3864-49A71C996469}"/>
+              <a16:creationId xmlns:a16="http://schemas.microsoft.com/office/drawing/2014/main" id="{8DE0EF99-F429-6AA1-EBB9-5D707A5EECFB}"/>
             </a:ext>
           </a:extLst>
         </p:cNvPr>
@@ -2821,7 +2866,7 @@
           <p:cNvPr id="2" name="Text Placeholder 1">
             <a:extLst>
               <a:ext uri="{FF2B5EF4-FFF2-40B4-BE49-F238E27FC236}">
-                <a16:creationId xmlns:a16="http://schemas.microsoft.com/office/drawing/2014/main" id="{2DB1DA12-8A8D-980A-8711-6BE64B6C3656}"/>
+                <a16:creationId xmlns:a16="http://schemas.microsoft.com/office/drawing/2014/main" id="{744BBB1D-FF3D-FDCA-833A-E42B984AE0A1}"/>
               </a:ext>
             </a:extLst>
           </p:cNvPr>
@@ -2850,7 +2895,7 @@
           <p:cNvPr id="3" name="Title 2">
             <a:extLst>
               <a:ext uri="{FF2B5EF4-FFF2-40B4-BE49-F238E27FC236}">
-                <a16:creationId xmlns:a16="http://schemas.microsoft.com/office/drawing/2014/main" id="{79D5D72B-D097-6260-6CE6-4F17E4D417F4}"/>
+                <a16:creationId xmlns:a16="http://schemas.microsoft.com/office/drawing/2014/main" id="{0BF94A4A-10FF-B0D6-3D31-3F93285D93F0}"/>
               </a:ext>
             </a:extLst>
           </p:cNvPr>
@@ -2879,7 +2924,7 @@
           <p:cNvPr id="4" name="Content Placeholder 3">
             <a:extLst>
               <a:ext uri="{FF2B5EF4-FFF2-40B4-BE49-F238E27FC236}">
-                <a16:creationId xmlns:a16="http://schemas.microsoft.com/office/drawing/2014/main" id="{A4A9A15A-08B3-947D-EBB9-BB54F188EA3F}"/>
+                <a16:creationId xmlns:a16="http://schemas.microsoft.com/office/drawing/2014/main" id="{57FF7AF7-FC98-155E-0039-2E6644639B4C}"/>
               </a:ext>
             </a:extLst>
           </p:cNvPr>
@@ -2890,7 +2935,12 @@
             <p:ph sz="quarter" idx="11"/>
           </p:nvPr>
         </p:nvSpPr>
-        <p:spPr/>
+        <p:spPr>
+          <a:xfrm>
+            <a:off x="631825" y="1088571"/>
+            <a:ext cx="10928350" cy="5632904"/>
+          </a:xfrm>
+        </p:spPr>
         <p:txBody>
           <a:bodyPr>
             <a:normAutofit/>
@@ -2936,7 +2986,7 @@
     </p:spTree>
     <p:extLst>
       <p:ext uri="{BB962C8B-B14F-4D97-AF65-F5344CB8AC3E}">
-        <p14:creationId xmlns:p14="http://schemas.microsoft.com/office/powerpoint/2010/main" val="375494980"/>
+        <p14:creationId xmlns:p14="http://schemas.microsoft.com/office/powerpoint/2010/main" val="1526507781"/>
       </p:ext>
     </p:extLst>
   </p:cSld>
@@ -2966,7 +3016,7 @@
         <p:cNvPr id="1" name="">
           <a:extLst>
             <a:ext uri="{FF2B5EF4-FFF2-40B4-BE49-F238E27FC236}">
-              <a16:creationId xmlns:a16="http://schemas.microsoft.com/office/drawing/2014/main" id="{45324C3D-934C-7BD5-23D5-09BA2DC6A036}"/>
+              <a16:creationId xmlns:a16="http://schemas.microsoft.com/office/drawing/2014/main" id="{42307FBE-3F03-06ED-87FD-48AA710C6042}"/>
             </a:ext>
           </a:extLst>
         </p:cNvPr>
@@ -2986,7 +3036,7 @@
           <p:cNvPr id="2" name="Text Placeholder 1">
             <a:extLst>
               <a:ext uri="{FF2B5EF4-FFF2-40B4-BE49-F238E27FC236}">
-                <a16:creationId xmlns:a16="http://schemas.microsoft.com/office/drawing/2014/main" id="{0C299586-16D6-E1B3-CCBD-1794D4F545EF}"/>
+                <a16:creationId xmlns:a16="http://schemas.microsoft.com/office/drawing/2014/main" id="{C59D155F-1065-3F30-8361-BF7704E226C7}"/>
               </a:ext>
             </a:extLst>
           </p:cNvPr>
@@ -3015,7 +3065,7 @@
           <p:cNvPr id="3" name="Title 2">
             <a:extLst>
               <a:ext uri="{FF2B5EF4-FFF2-40B4-BE49-F238E27FC236}">
-                <a16:creationId xmlns:a16="http://schemas.microsoft.com/office/drawing/2014/main" id="{659282EC-58C9-CF0C-6BB2-E818A51B8C66}"/>
+                <a16:creationId xmlns:a16="http://schemas.microsoft.com/office/drawing/2014/main" id="{3AD2EC2A-3763-F97B-57FA-DF37E0E7C920}"/>
               </a:ext>
             </a:extLst>
           </p:cNvPr>
@@ -3044,7 +3094,7 @@
           <p:cNvPr id="4" name="Content Placeholder 3">
             <a:extLst>
               <a:ext uri="{FF2B5EF4-FFF2-40B4-BE49-F238E27FC236}">
-                <a16:creationId xmlns:a16="http://schemas.microsoft.com/office/drawing/2014/main" id="{EE216131-BEA4-0FB9-1470-1681D5D99AB0}"/>
+                <a16:creationId xmlns:a16="http://schemas.microsoft.com/office/drawing/2014/main" id="{256969EB-E14F-7959-1A59-8614A18D1C0F}"/>
               </a:ext>
             </a:extLst>
           </p:cNvPr>
@@ -3055,7 +3105,12 @@
             <p:ph sz="quarter" idx="11"/>
           </p:nvPr>
         </p:nvSpPr>
-        <p:spPr/>
+        <p:spPr>
+          <a:xfrm>
+            <a:off x="631825" y="1088571"/>
+            <a:ext cx="10928350" cy="5632904"/>
+          </a:xfrm>
+        </p:spPr>
         <p:txBody>
           <a:bodyPr>
             <a:normAutofit/>
@@ -3101,7 +3156,7 @@
     </p:spTree>
     <p:extLst>
       <p:ext uri="{BB962C8B-B14F-4D97-AF65-F5344CB8AC3E}">
-        <p14:creationId xmlns:p14="http://schemas.microsoft.com/office/powerpoint/2010/main" val="3825427700"/>
+        <p14:creationId xmlns:p14="http://schemas.microsoft.com/office/powerpoint/2010/main" val="3641504622"/>
       </p:ext>
     </p:extLst>
   </p:cSld>
@@ -3131,7 +3186,7 @@
         <p:cNvPr id="1" name="">
           <a:extLst>
             <a:ext uri="{FF2B5EF4-FFF2-40B4-BE49-F238E27FC236}">
-              <a16:creationId xmlns:a16="http://schemas.microsoft.com/office/drawing/2014/main" id="{1CC80230-7A8F-4955-7DEB-5DBA6B132A60}"/>
+              <a16:creationId xmlns:a16="http://schemas.microsoft.com/office/drawing/2014/main" id="{73BD5DAF-8B66-0E89-B034-2946DCDD4956}"/>
             </a:ext>
           </a:extLst>
         </p:cNvPr>
@@ -3151,7 +3206,7 @@
           <p:cNvPr id="2" name="Text Placeholder 1">
             <a:extLst>
               <a:ext uri="{FF2B5EF4-FFF2-40B4-BE49-F238E27FC236}">
-                <a16:creationId xmlns:a16="http://schemas.microsoft.com/office/drawing/2014/main" id="{14E72B72-EBE8-7B51-CF8B-4835794D97BB}"/>
+                <a16:creationId xmlns:a16="http://schemas.microsoft.com/office/drawing/2014/main" id="{95A75999-2A54-C657-C510-23F9E49304DC}"/>
               </a:ext>
             </a:extLst>
           </p:cNvPr>
@@ -3180,7 +3235,7 @@
           <p:cNvPr id="3" name="Title 2">
             <a:extLst>
               <a:ext uri="{FF2B5EF4-FFF2-40B4-BE49-F238E27FC236}">
-                <a16:creationId xmlns:a16="http://schemas.microsoft.com/office/drawing/2014/main" id="{828D4AEA-8D73-1E0F-A901-4C286816D238}"/>
+                <a16:creationId xmlns:a16="http://schemas.microsoft.com/office/drawing/2014/main" id="{972BD320-D557-329F-0192-44719E17BC46}"/>
               </a:ext>
             </a:extLst>
           </p:cNvPr>
@@ -3209,7 +3264,7 @@
           <p:cNvPr id="4" name="Content Placeholder 3">
             <a:extLst>
               <a:ext uri="{FF2B5EF4-FFF2-40B4-BE49-F238E27FC236}">
-                <a16:creationId xmlns:a16="http://schemas.microsoft.com/office/drawing/2014/main" id="{594216CE-7A2A-4C4F-47C9-9C201E0D2CF0}"/>
+                <a16:creationId xmlns:a16="http://schemas.microsoft.com/office/drawing/2014/main" id="{10CD3C75-29CE-4FBC-2495-158CC5EFB233}"/>
               </a:ext>
             </a:extLst>
           </p:cNvPr>
@@ -3220,7 +3275,12 @@
             <p:ph sz="quarter" idx="11"/>
           </p:nvPr>
         </p:nvSpPr>
-        <p:spPr/>
+        <p:spPr>
+          <a:xfrm>
+            <a:off x="631825" y="1088571"/>
+            <a:ext cx="10928350" cy="5632904"/>
+          </a:xfrm>
+        </p:spPr>
         <p:txBody>
           <a:bodyPr>
             <a:normAutofit/>
@@ -3266,7 +3326,7 @@
     </p:spTree>
     <p:extLst>
       <p:ext uri="{BB962C8B-B14F-4D97-AF65-F5344CB8AC3E}">
-        <p14:creationId xmlns:p14="http://schemas.microsoft.com/office/powerpoint/2010/main" val="1565174096"/>
+        <p14:creationId xmlns:p14="http://schemas.microsoft.com/office/powerpoint/2010/main" val="3487879419"/>
       </p:ext>
     </p:extLst>
   </p:cSld>
@@ -3296,7 +3356,7 @@
         <p:cNvPr id="1" name="">
           <a:extLst>
             <a:ext uri="{FF2B5EF4-FFF2-40B4-BE49-F238E27FC236}">
-              <a16:creationId xmlns:a16="http://schemas.microsoft.com/office/drawing/2014/main" id="{9865CF72-9E62-CC7E-1D88-B7F254039927}"/>
+              <a16:creationId xmlns:a16="http://schemas.microsoft.com/office/drawing/2014/main" id="{161E12D1-BF16-2059-9CE0-F890BF537024}"/>
             </a:ext>
           </a:extLst>
         </p:cNvPr>
@@ -3316,7 +3376,7 @@
           <p:cNvPr id="2" name="Text Placeholder 1">
             <a:extLst>
               <a:ext uri="{FF2B5EF4-FFF2-40B4-BE49-F238E27FC236}">
-                <a16:creationId xmlns:a16="http://schemas.microsoft.com/office/drawing/2014/main" id="{5E0C84AA-7F62-4459-0022-03F602B96496}"/>
+                <a16:creationId xmlns:a16="http://schemas.microsoft.com/office/drawing/2014/main" id="{F97728A3-A2B3-9C7C-FC56-D931242A7555}"/>
               </a:ext>
             </a:extLst>
           </p:cNvPr>
@@ -3345,7 +3405,7 @@
           <p:cNvPr id="3" name="Title 2">
             <a:extLst>
               <a:ext uri="{FF2B5EF4-FFF2-40B4-BE49-F238E27FC236}">
-                <a16:creationId xmlns:a16="http://schemas.microsoft.com/office/drawing/2014/main" id="{EDD9FCC5-33C5-E5AB-CD9E-1289A8676E36}"/>
+                <a16:creationId xmlns:a16="http://schemas.microsoft.com/office/drawing/2014/main" id="{0D50EBE6-8F4F-7741-35C3-CFF2FC59A418}"/>
               </a:ext>
             </a:extLst>
           </p:cNvPr>
@@ -3374,7 +3434,7 @@
           <p:cNvPr id="4" name="Content Placeholder 3">
             <a:extLst>
               <a:ext uri="{FF2B5EF4-FFF2-40B4-BE49-F238E27FC236}">
-                <a16:creationId xmlns:a16="http://schemas.microsoft.com/office/drawing/2014/main" id="{E637B216-9254-56CF-B0B9-15346385C997}"/>
+                <a16:creationId xmlns:a16="http://schemas.microsoft.com/office/drawing/2014/main" id="{E0F88B5F-29B8-900D-68CA-7729EB6D6D29}"/>
               </a:ext>
             </a:extLst>
           </p:cNvPr>
@@ -3385,7 +3445,12 @@
             <p:ph sz="quarter" idx="11"/>
           </p:nvPr>
         </p:nvSpPr>
-        <p:spPr/>
+        <p:spPr>
+          <a:xfrm>
+            <a:off x="631825" y="1088571"/>
+            <a:ext cx="10928350" cy="5632904"/>
+          </a:xfrm>
+        </p:spPr>
         <p:txBody>
           <a:bodyPr>
             <a:normAutofit/>
@@ -3431,7 +3496,7 @@
     </p:spTree>
     <p:extLst>
       <p:ext uri="{BB962C8B-B14F-4D97-AF65-F5344CB8AC3E}">
-        <p14:creationId xmlns:p14="http://schemas.microsoft.com/office/powerpoint/2010/main" val="1557276403"/>
+        <p14:creationId xmlns:p14="http://schemas.microsoft.com/office/powerpoint/2010/main" val="1534317405"/>
       </p:ext>
     </p:extLst>
   </p:cSld>
@@ -3461,7 +3526,7 @@
         <p:cNvPr id="1" name="">
           <a:extLst>
             <a:ext uri="{FF2B5EF4-FFF2-40B4-BE49-F238E27FC236}">
-              <a16:creationId xmlns:a16="http://schemas.microsoft.com/office/drawing/2014/main" id="{1C8A420C-3AE7-E01C-950A-97E13F3E4234}"/>
+              <a16:creationId xmlns:a16="http://schemas.microsoft.com/office/drawing/2014/main" id="{3C61C2D0-1AC8-936A-6BD2-E48C42B3921F}"/>
             </a:ext>
           </a:extLst>
         </p:cNvPr>
@@ -3481,7 +3546,7 @@
           <p:cNvPr id="2" name="Text Placeholder 1">
             <a:extLst>
               <a:ext uri="{FF2B5EF4-FFF2-40B4-BE49-F238E27FC236}">
-                <a16:creationId xmlns:a16="http://schemas.microsoft.com/office/drawing/2014/main" id="{513D43CE-12D6-D429-348D-2D7E32C74EBF}"/>
+                <a16:creationId xmlns:a16="http://schemas.microsoft.com/office/drawing/2014/main" id="{C166B7BA-F804-7B21-3D37-D6DA9CC9EE33}"/>
               </a:ext>
             </a:extLst>
           </p:cNvPr>
@@ -3510,7 +3575,7 @@
           <p:cNvPr id="3" name="Title 2">
             <a:extLst>
               <a:ext uri="{FF2B5EF4-FFF2-40B4-BE49-F238E27FC236}">
-                <a16:creationId xmlns:a16="http://schemas.microsoft.com/office/drawing/2014/main" id="{B0BE9C2C-44C9-A08B-CA49-493CB59E793A}"/>
+                <a16:creationId xmlns:a16="http://schemas.microsoft.com/office/drawing/2014/main" id="{A1966BC0-0A63-77F0-0DE8-013835ACD089}"/>
               </a:ext>
             </a:extLst>
           </p:cNvPr>
@@ -3539,7 +3604,7 @@
           <p:cNvPr id="4" name="Content Placeholder 3">
             <a:extLst>
               <a:ext uri="{FF2B5EF4-FFF2-40B4-BE49-F238E27FC236}">
-                <a16:creationId xmlns:a16="http://schemas.microsoft.com/office/drawing/2014/main" id="{3F44733F-7996-85E3-7616-2D79C27E844A}"/>
+                <a16:creationId xmlns:a16="http://schemas.microsoft.com/office/drawing/2014/main" id="{F3B728DF-8414-B34B-2323-C70F9A72ECED}"/>
               </a:ext>
             </a:extLst>
           </p:cNvPr>
@@ -3550,7 +3615,12 @@
             <p:ph sz="quarter" idx="11"/>
           </p:nvPr>
         </p:nvSpPr>
-        <p:spPr/>
+        <p:spPr>
+          <a:xfrm>
+            <a:off x="631825" y="1088571"/>
+            <a:ext cx="10928350" cy="5632904"/>
+          </a:xfrm>
+        </p:spPr>
         <p:txBody>
           <a:bodyPr>
             <a:normAutofit/>
@@ -3596,7 +3666,857 @@
     </p:spTree>
     <p:extLst>
       <p:ext uri="{BB962C8B-B14F-4D97-AF65-F5344CB8AC3E}">
-        <p14:creationId xmlns:p14="http://schemas.microsoft.com/office/powerpoint/2010/main" val="149451730"/>
+        <p14:creationId xmlns:p14="http://schemas.microsoft.com/office/powerpoint/2010/main" val="4008782142"/>
+      </p:ext>
+    </p:extLst>
+  </p:cSld>
+  <p:clrMapOvr>
+    <a:masterClrMapping/>
+  </p:clrMapOvr>
+  <mc:AlternateContent xmlns:mc="http://schemas.openxmlformats.org/markup-compatibility/2006">
+    <mc:Choice xmlns:p14="http://schemas.microsoft.com/office/powerpoint/2010/main" Requires="p14">
+      <p:transition spd="med" p14:dur="700">
+        <p:fade/>
+      </p:transition>
+    </mc:Choice>
+    <mc:Fallback>
+      <p:transition spd="med">
+        <p:fade/>
+      </p:transition>
+    </mc:Fallback>
+  </mc:AlternateContent>
+</p:sld>
+</file>
+
+<file path=ppt/slides/slide21.xml><?xml version="1.0" encoding="utf-8"?>
+<p:sld xmlns:a="http://schemas.openxmlformats.org/drawingml/2006/main" xmlns:r="http://schemas.openxmlformats.org/officeDocument/2006/relationships" xmlns:p="http://schemas.openxmlformats.org/presentationml/2006/main">
+  <p:cSld>
+    <p:spTree>
+      <p:nvGrpSpPr>
+        <p:cNvPr id="1" name="">
+          <a:extLst>
+            <a:ext uri="{FF2B5EF4-FFF2-40B4-BE49-F238E27FC236}">
+              <a16:creationId xmlns:a16="http://schemas.microsoft.com/office/drawing/2014/main" id="{18BA764D-C932-2F5F-E9FB-B55E1E003F96}"/>
+            </a:ext>
+          </a:extLst>
+        </p:cNvPr>
+        <p:cNvGrpSpPr/>
+        <p:nvPr/>
+      </p:nvGrpSpPr>
+      <p:grpSpPr>
+        <a:xfrm>
+          <a:off x="0" y="0"/>
+          <a:ext cx="0" cy="0"/>
+          <a:chOff x="0" y="0"/>
+          <a:chExt cx="0" cy="0"/>
+        </a:xfrm>
+      </p:grpSpPr>
+      <p:sp>
+        <p:nvSpPr>
+          <p:cNvPr id="2" name="Text Placeholder 1">
+            <a:extLst>
+              <a:ext uri="{FF2B5EF4-FFF2-40B4-BE49-F238E27FC236}">
+                <a16:creationId xmlns:a16="http://schemas.microsoft.com/office/drawing/2014/main" id="{08A72320-E440-90A7-6912-5B03A4B08425}"/>
+              </a:ext>
+            </a:extLst>
+          </p:cNvPr>
+          <p:cNvSpPr>
+            <a:spLocks noGrp="1"/>
+          </p:cNvSpPr>
+          <p:nvPr>
+            <p:ph type="body" sz="quarter" idx="10"/>
+          </p:nvPr>
+        </p:nvSpPr>
+        <p:spPr/>
+        <p:txBody>
+          <a:bodyPr/>
+          <a:lstStyle/>
+          <a:p>
+            <a:r>
+              <a:rPr lang="en-US" dirty="0" err="1"/>
+              <a:t>Slide_subtitle</a:t>
+            </a:r>
+            <a:endParaRPr lang="en-US" dirty="0"/>
+          </a:p>
+        </p:txBody>
+      </p:sp>
+      <p:sp>
+        <p:nvSpPr>
+          <p:cNvPr id="3" name="Title 2">
+            <a:extLst>
+              <a:ext uri="{FF2B5EF4-FFF2-40B4-BE49-F238E27FC236}">
+                <a16:creationId xmlns:a16="http://schemas.microsoft.com/office/drawing/2014/main" id="{7AB0C5A0-A3E7-68F8-A114-C8A5B932B32A}"/>
+              </a:ext>
+            </a:extLst>
+          </p:cNvPr>
+          <p:cNvSpPr>
+            <a:spLocks noGrp="1"/>
+          </p:cNvSpPr>
+          <p:nvPr>
+            <p:ph type="title"/>
+          </p:nvPr>
+        </p:nvSpPr>
+        <p:spPr/>
+        <p:txBody>
+          <a:bodyPr/>
+          <a:lstStyle/>
+          <a:p>
+            <a:r>
+              <a:rPr lang="en-US" dirty="0" err="1"/>
+              <a:t>Slide_title</a:t>
+            </a:r>
+            <a:endParaRPr lang="en-US" dirty="0"/>
+          </a:p>
+        </p:txBody>
+      </p:sp>
+      <p:sp>
+        <p:nvSpPr>
+          <p:cNvPr id="4" name="Content Placeholder 3">
+            <a:extLst>
+              <a:ext uri="{FF2B5EF4-FFF2-40B4-BE49-F238E27FC236}">
+                <a16:creationId xmlns:a16="http://schemas.microsoft.com/office/drawing/2014/main" id="{919F5D11-490B-16A1-4128-997602B34DEF}"/>
+              </a:ext>
+            </a:extLst>
+          </p:cNvPr>
+          <p:cNvSpPr>
+            <a:spLocks noGrp="1"/>
+          </p:cNvSpPr>
+          <p:nvPr>
+            <p:ph sz="quarter" idx="11"/>
+          </p:nvPr>
+        </p:nvSpPr>
+        <p:spPr>
+          <a:xfrm>
+            <a:off x="631825" y="1088571"/>
+            <a:ext cx="10928350" cy="5632904"/>
+          </a:xfrm>
+        </p:spPr>
+        <p:txBody>
+          <a:bodyPr>
+            <a:normAutofit/>
+          </a:bodyPr>
+          <a:lstStyle/>
+          <a:p>
+            <a:pPr>
+              <a:lnSpc>
+                <a:spcPct val="115000"/>
+              </a:lnSpc>
+              <a:spcAft>
+                <a:spcPts val="800"/>
+              </a:spcAft>
+            </a:pPr>
+            <a:r>
+              <a:rPr lang="en-GB" sz="1800" kern="100" dirty="0" err="1">
+                <a:latin typeface="Aptos" panose="020B0004020202020204" pitchFamily="34" charset="0"/>
+                <a:ea typeface="PMingLiU" panose="02020500000000000000" pitchFamily="18" charset="-120"/>
+                <a:cs typeface="Arial" panose="020B0604020202020204" pitchFamily="34" charset="0"/>
+              </a:rPr>
+              <a:t>Column_text</a:t>
+            </a:r>
+            <a:endParaRPr lang="en-GB" sz="1200" kern="100" dirty="0">
+              <a:effectLst/>
+              <a:latin typeface="Aptos" panose="020B0004020202020204" pitchFamily="34" charset="0"/>
+              <a:ea typeface="PMingLiU" panose="02020500000000000000" pitchFamily="18" charset="-120"/>
+              <a:cs typeface="Arial" panose="020B0604020202020204" pitchFamily="34" charset="0"/>
+            </a:endParaRPr>
+          </a:p>
+          <a:p>
+            <a:pPr>
+              <a:lnSpc>
+                <a:spcPct val="115000"/>
+              </a:lnSpc>
+              <a:spcAft>
+                <a:spcPts val="800"/>
+              </a:spcAft>
+            </a:pPr>
+            <a:endParaRPr lang="en-US" dirty="0"/>
+          </a:p>
+        </p:txBody>
+      </p:sp>
+    </p:spTree>
+    <p:extLst>
+      <p:ext uri="{BB962C8B-B14F-4D97-AF65-F5344CB8AC3E}">
+        <p14:creationId xmlns:p14="http://schemas.microsoft.com/office/powerpoint/2010/main" val="3248138619"/>
+      </p:ext>
+    </p:extLst>
+  </p:cSld>
+  <p:clrMapOvr>
+    <a:masterClrMapping/>
+  </p:clrMapOvr>
+  <mc:AlternateContent xmlns:mc="http://schemas.openxmlformats.org/markup-compatibility/2006">
+    <mc:Choice xmlns:p14="http://schemas.microsoft.com/office/powerpoint/2010/main" Requires="p14">
+      <p:transition spd="med" p14:dur="700">
+        <p:fade/>
+      </p:transition>
+    </mc:Choice>
+    <mc:Fallback>
+      <p:transition spd="med">
+        <p:fade/>
+      </p:transition>
+    </mc:Fallback>
+  </mc:AlternateContent>
+</p:sld>
+</file>
+
+<file path=ppt/slides/slide22.xml><?xml version="1.0" encoding="utf-8"?>
+<p:sld xmlns:a="http://schemas.openxmlformats.org/drawingml/2006/main" xmlns:r="http://schemas.openxmlformats.org/officeDocument/2006/relationships" xmlns:p="http://schemas.openxmlformats.org/presentationml/2006/main">
+  <p:cSld>
+    <p:spTree>
+      <p:nvGrpSpPr>
+        <p:cNvPr id="1" name="">
+          <a:extLst>
+            <a:ext uri="{FF2B5EF4-FFF2-40B4-BE49-F238E27FC236}">
+              <a16:creationId xmlns:a16="http://schemas.microsoft.com/office/drawing/2014/main" id="{22B42AC9-52FC-C850-9EBE-47A94B84DF5E}"/>
+            </a:ext>
+          </a:extLst>
+        </p:cNvPr>
+        <p:cNvGrpSpPr/>
+        <p:nvPr/>
+      </p:nvGrpSpPr>
+      <p:grpSpPr>
+        <a:xfrm>
+          <a:off x="0" y="0"/>
+          <a:ext cx="0" cy="0"/>
+          <a:chOff x="0" y="0"/>
+          <a:chExt cx="0" cy="0"/>
+        </a:xfrm>
+      </p:grpSpPr>
+      <p:sp>
+        <p:nvSpPr>
+          <p:cNvPr id="2" name="Text Placeholder 1">
+            <a:extLst>
+              <a:ext uri="{FF2B5EF4-FFF2-40B4-BE49-F238E27FC236}">
+                <a16:creationId xmlns:a16="http://schemas.microsoft.com/office/drawing/2014/main" id="{97F2BA27-036B-EB89-8CEB-567D6D3B246D}"/>
+              </a:ext>
+            </a:extLst>
+          </p:cNvPr>
+          <p:cNvSpPr>
+            <a:spLocks noGrp="1"/>
+          </p:cNvSpPr>
+          <p:nvPr>
+            <p:ph type="body" sz="quarter" idx="10"/>
+          </p:nvPr>
+        </p:nvSpPr>
+        <p:spPr/>
+        <p:txBody>
+          <a:bodyPr/>
+          <a:lstStyle/>
+          <a:p>
+            <a:r>
+              <a:rPr lang="en-US" dirty="0" err="1"/>
+              <a:t>Slide_subtitle</a:t>
+            </a:r>
+            <a:endParaRPr lang="en-US" dirty="0"/>
+          </a:p>
+        </p:txBody>
+      </p:sp>
+      <p:sp>
+        <p:nvSpPr>
+          <p:cNvPr id="3" name="Title 2">
+            <a:extLst>
+              <a:ext uri="{FF2B5EF4-FFF2-40B4-BE49-F238E27FC236}">
+                <a16:creationId xmlns:a16="http://schemas.microsoft.com/office/drawing/2014/main" id="{D84C9990-5927-50D2-6919-29D7EF7D7E19}"/>
+              </a:ext>
+            </a:extLst>
+          </p:cNvPr>
+          <p:cNvSpPr>
+            <a:spLocks noGrp="1"/>
+          </p:cNvSpPr>
+          <p:nvPr>
+            <p:ph type="title"/>
+          </p:nvPr>
+        </p:nvSpPr>
+        <p:spPr/>
+        <p:txBody>
+          <a:bodyPr/>
+          <a:lstStyle/>
+          <a:p>
+            <a:r>
+              <a:rPr lang="en-US" dirty="0" err="1"/>
+              <a:t>Slide_title</a:t>
+            </a:r>
+            <a:endParaRPr lang="en-US" dirty="0"/>
+          </a:p>
+        </p:txBody>
+      </p:sp>
+      <p:sp>
+        <p:nvSpPr>
+          <p:cNvPr id="4" name="Content Placeholder 3">
+            <a:extLst>
+              <a:ext uri="{FF2B5EF4-FFF2-40B4-BE49-F238E27FC236}">
+                <a16:creationId xmlns:a16="http://schemas.microsoft.com/office/drawing/2014/main" id="{822EFEE9-5ED3-0438-04E0-4016594F1D4B}"/>
+              </a:ext>
+            </a:extLst>
+          </p:cNvPr>
+          <p:cNvSpPr>
+            <a:spLocks noGrp="1"/>
+          </p:cNvSpPr>
+          <p:nvPr>
+            <p:ph sz="quarter" idx="11"/>
+          </p:nvPr>
+        </p:nvSpPr>
+        <p:spPr>
+          <a:xfrm>
+            <a:off x="631825" y="1088571"/>
+            <a:ext cx="10928350" cy="5632904"/>
+          </a:xfrm>
+        </p:spPr>
+        <p:txBody>
+          <a:bodyPr>
+            <a:normAutofit/>
+          </a:bodyPr>
+          <a:lstStyle/>
+          <a:p>
+            <a:pPr>
+              <a:lnSpc>
+                <a:spcPct val="115000"/>
+              </a:lnSpc>
+              <a:spcAft>
+                <a:spcPts val="800"/>
+              </a:spcAft>
+            </a:pPr>
+            <a:r>
+              <a:rPr lang="en-GB" sz="1800" kern="100" dirty="0" err="1">
+                <a:latin typeface="Aptos" panose="020B0004020202020204" pitchFamily="34" charset="0"/>
+                <a:ea typeface="PMingLiU" panose="02020500000000000000" pitchFamily="18" charset="-120"/>
+                <a:cs typeface="Arial" panose="020B0604020202020204" pitchFamily="34" charset="0"/>
+              </a:rPr>
+              <a:t>Column_text</a:t>
+            </a:r>
+            <a:endParaRPr lang="en-GB" sz="1200" kern="100" dirty="0">
+              <a:effectLst/>
+              <a:latin typeface="Aptos" panose="020B0004020202020204" pitchFamily="34" charset="0"/>
+              <a:ea typeface="PMingLiU" panose="02020500000000000000" pitchFamily="18" charset="-120"/>
+              <a:cs typeface="Arial" panose="020B0604020202020204" pitchFamily="34" charset="0"/>
+            </a:endParaRPr>
+          </a:p>
+          <a:p>
+            <a:pPr>
+              <a:lnSpc>
+                <a:spcPct val="115000"/>
+              </a:lnSpc>
+              <a:spcAft>
+                <a:spcPts val="800"/>
+              </a:spcAft>
+            </a:pPr>
+            <a:endParaRPr lang="en-US" dirty="0"/>
+          </a:p>
+        </p:txBody>
+      </p:sp>
+    </p:spTree>
+    <p:extLst>
+      <p:ext uri="{BB962C8B-B14F-4D97-AF65-F5344CB8AC3E}">
+        <p14:creationId xmlns:p14="http://schemas.microsoft.com/office/powerpoint/2010/main" val="456565416"/>
+      </p:ext>
+    </p:extLst>
+  </p:cSld>
+  <p:clrMapOvr>
+    <a:masterClrMapping/>
+  </p:clrMapOvr>
+  <mc:AlternateContent xmlns:mc="http://schemas.openxmlformats.org/markup-compatibility/2006">
+    <mc:Choice xmlns:p14="http://schemas.microsoft.com/office/powerpoint/2010/main" Requires="p14">
+      <p:transition spd="med" p14:dur="700">
+        <p:fade/>
+      </p:transition>
+    </mc:Choice>
+    <mc:Fallback>
+      <p:transition spd="med">
+        <p:fade/>
+      </p:transition>
+    </mc:Fallback>
+  </mc:AlternateContent>
+</p:sld>
+</file>
+
+<file path=ppt/slides/slide23.xml><?xml version="1.0" encoding="utf-8"?>
+<p:sld xmlns:a="http://schemas.openxmlformats.org/drawingml/2006/main" xmlns:r="http://schemas.openxmlformats.org/officeDocument/2006/relationships" xmlns:p="http://schemas.openxmlformats.org/presentationml/2006/main">
+  <p:cSld>
+    <p:spTree>
+      <p:nvGrpSpPr>
+        <p:cNvPr id="1" name="">
+          <a:extLst>
+            <a:ext uri="{FF2B5EF4-FFF2-40B4-BE49-F238E27FC236}">
+              <a16:creationId xmlns:a16="http://schemas.microsoft.com/office/drawing/2014/main" id="{78AB1777-555C-926C-D665-8897E7FE30F6}"/>
+            </a:ext>
+          </a:extLst>
+        </p:cNvPr>
+        <p:cNvGrpSpPr/>
+        <p:nvPr/>
+      </p:nvGrpSpPr>
+      <p:grpSpPr>
+        <a:xfrm>
+          <a:off x="0" y="0"/>
+          <a:ext cx="0" cy="0"/>
+          <a:chOff x="0" y="0"/>
+          <a:chExt cx="0" cy="0"/>
+        </a:xfrm>
+      </p:grpSpPr>
+      <p:sp>
+        <p:nvSpPr>
+          <p:cNvPr id="2" name="Text Placeholder 1">
+            <a:extLst>
+              <a:ext uri="{FF2B5EF4-FFF2-40B4-BE49-F238E27FC236}">
+                <a16:creationId xmlns:a16="http://schemas.microsoft.com/office/drawing/2014/main" id="{A0AE7FB4-D9A7-F3A2-B5D8-2F71133FC7A9}"/>
+              </a:ext>
+            </a:extLst>
+          </p:cNvPr>
+          <p:cNvSpPr>
+            <a:spLocks noGrp="1"/>
+          </p:cNvSpPr>
+          <p:nvPr>
+            <p:ph type="body" sz="quarter" idx="10"/>
+          </p:nvPr>
+        </p:nvSpPr>
+        <p:spPr/>
+        <p:txBody>
+          <a:bodyPr/>
+          <a:lstStyle/>
+          <a:p>
+            <a:r>
+              <a:rPr lang="en-US" dirty="0" err="1"/>
+              <a:t>Slide_subtitle</a:t>
+            </a:r>
+            <a:endParaRPr lang="en-US" dirty="0"/>
+          </a:p>
+        </p:txBody>
+      </p:sp>
+      <p:sp>
+        <p:nvSpPr>
+          <p:cNvPr id="3" name="Title 2">
+            <a:extLst>
+              <a:ext uri="{FF2B5EF4-FFF2-40B4-BE49-F238E27FC236}">
+                <a16:creationId xmlns:a16="http://schemas.microsoft.com/office/drawing/2014/main" id="{B6D605F5-F03F-DC56-AABF-423722CA3008}"/>
+              </a:ext>
+            </a:extLst>
+          </p:cNvPr>
+          <p:cNvSpPr>
+            <a:spLocks noGrp="1"/>
+          </p:cNvSpPr>
+          <p:nvPr>
+            <p:ph type="title"/>
+          </p:nvPr>
+        </p:nvSpPr>
+        <p:spPr/>
+        <p:txBody>
+          <a:bodyPr/>
+          <a:lstStyle/>
+          <a:p>
+            <a:r>
+              <a:rPr lang="en-US" dirty="0" err="1"/>
+              <a:t>Slide_title</a:t>
+            </a:r>
+            <a:endParaRPr lang="en-US" dirty="0"/>
+          </a:p>
+        </p:txBody>
+      </p:sp>
+      <p:sp>
+        <p:nvSpPr>
+          <p:cNvPr id="4" name="Content Placeholder 3">
+            <a:extLst>
+              <a:ext uri="{FF2B5EF4-FFF2-40B4-BE49-F238E27FC236}">
+                <a16:creationId xmlns:a16="http://schemas.microsoft.com/office/drawing/2014/main" id="{445F6615-4F82-EECF-929A-37372806B71C}"/>
+              </a:ext>
+            </a:extLst>
+          </p:cNvPr>
+          <p:cNvSpPr>
+            <a:spLocks noGrp="1"/>
+          </p:cNvSpPr>
+          <p:nvPr>
+            <p:ph sz="quarter" idx="11"/>
+          </p:nvPr>
+        </p:nvSpPr>
+        <p:spPr>
+          <a:xfrm>
+            <a:off x="631825" y="1088571"/>
+            <a:ext cx="10928350" cy="5632904"/>
+          </a:xfrm>
+        </p:spPr>
+        <p:txBody>
+          <a:bodyPr>
+            <a:normAutofit/>
+          </a:bodyPr>
+          <a:lstStyle/>
+          <a:p>
+            <a:pPr>
+              <a:lnSpc>
+                <a:spcPct val="115000"/>
+              </a:lnSpc>
+              <a:spcAft>
+                <a:spcPts val="800"/>
+              </a:spcAft>
+            </a:pPr>
+            <a:r>
+              <a:rPr lang="en-GB" sz="1800" kern="100" dirty="0" err="1">
+                <a:latin typeface="Aptos" panose="020B0004020202020204" pitchFamily="34" charset="0"/>
+                <a:ea typeface="PMingLiU" panose="02020500000000000000" pitchFamily="18" charset="-120"/>
+                <a:cs typeface="Arial" panose="020B0604020202020204" pitchFamily="34" charset="0"/>
+              </a:rPr>
+              <a:t>Column_text</a:t>
+            </a:r>
+            <a:endParaRPr lang="en-GB" sz="1200" kern="100" dirty="0">
+              <a:effectLst/>
+              <a:latin typeface="Aptos" panose="020B0004020202020204" pitchFamily="34" charset="0"/>
+              <a:ea typeface="PMingLiU" panose="02020500000000000000" pitchFamily="18" charset="-120"/>
+              <a:cs typeface="Arial" panose="020B0604020202020204" pitchFamily="34" charset="0"/>
+            </a:endParaRPr>
+          </a:p>
+          <a:p>
+            <a:pPr>
+              <a:lnSpc>
+                <a:spcPct val="115000"/>
+              </a:lnSpc>
+              <a:spcAft>
+                <a:spcPts val="800"/>
+              </a:spcAft>
+            </a:pPr>
+            <a:endParaRPr lang="en-US" dirty="0"/>
+          </a:p>
+        </p:txBody>
+      </p:sp>
+    </p:spTree>
+    <p:extLst>
+      <p:ext uri="{BB962C8B-B14F-4D97-AF65-F5344CB8AC3E}">
+        <p14:creationId xmlns:p14="http://schemas.microsoft.com/office/powerpoint/2010/main" val="1117967526"/>
+      </p:ext>
+    </p:extLst>
+  </p:cSld>
+  <p:clrMapOvr>
+    <a:masterClrMapping/>
+  </p:clrMapOvr>
+  <mc:AlternateContent xmlns:mc="http://schemas.openxmlformats.org/markup-compatibility/2006">
+    <mc:Choice xmlns:p14="http://schemas.microsoft.com/office/powerpoint/2010/main" Requires="p14">
+      <p:transition spd="med" p14:dur="700">
+        <p:fade/>
+      </p:transition>
+    </mc:Choice>
+    <mc:Fallback>
+      <p:transition spd="med">
+        <p:fade/>
+      </p:transition>
+    </mc:Fallback>
+  </mc:AlternateContent>
+</p:sld>
+</file>
+
+<file path=ppt/slides/slide24.xml><?xml version="1.0" encoding="utf-8"?>
+<p:sld xmlns:a="http://schemas.openxmlformats.org/drawingml/2006/main" xmlns:r="http://schemas.openxmlformats.org/officeDocument/2006/relationships" xmlns:p="http://schemas.openxmlformats.org/presentationml/2006/main">
+  <p:cSld>
+    <p:spTree>
+      <p:nvGrpSpPr>
+        <p:cNvPr id="1" name="">
+          <a:extLst>
+            <a:ext uri="{FF2B5EF4-FFF2-40B4-BE49-F238E27FC236}">
+              <a16:creationId xmlns:a16="http://schemas.microsoft.com/office/drawing/2014/main" id="{D1637A0C-CC53-EF02-25C3-5DE7F6CFFC68}"/>
+            </a:ext>
+          </a:extLst>
+        </p:cNvPr>
+        <p:cNvGrpSpPr/>
+        <p:nvPr/>
+      </p:nvGrpSpPr>
+      <p:grpSpPr>
+        <a:xfrm>
+          <a:off x="0" y="0"/>
+          <a:ext cx="0" cy="0"/>
+          <a:chOff x="0" y="0"/>
+          <a:chExt cx="0" cy="0"/>
+        </a:xfrm>
+      </p:grpSpPr>
+      <p:sp>
+        <p:nvSpPr>
+          <p:cNvPr id="2" name="Text Placeholder 1">
+            <a:extLst>
+              <a:ext uri="{FF2B5EF4-FFF2-40B4-BE49-F238E27FC236}">
+                <a16:creationId xmlns:a16="http://schemas.microsoft.com/office/drawing/2014/main" id="{F597601A-EBF6-7151-8F4F-E00D7A7BED8E}"/>
+              </a:ext>
+            </a:extLst>
+          </p:cNvPr>
+          <p:cNvSpPr>
+            <a:spLocks noGrp="1"/>
+          </p:cNvSpPr>
+          <p:nvPr>
+            <p:ph type="body" sz="quarter" idx="10"/>
+          </p:nvPr>
+        </p:nvSpPr>
+        <p:spPr/>
+        <p:txBody>
+          <a:bodyPr/>
+          <a:lstStyle/>
+          <a:p>
+            <a:r>
+              <a:rPr lang="en-US" dirty="0" err="1"/>
+              <a:t>Slide_subtitle</a:t>
+            </a:r>
+            <a:endParaRPr lang="en-US" dirty="0"/>
+          </a:p>
+        </p:txBody>
+      </p:sp>
+      <p:sp>
+        <p:nvSpPr>
+          <p:cNvPr id="3" name="Title 2">
+            <a:extLst>
+              <a:ext uri="{FF2B5EF4-FFF2-40B4-BE49-F238E27FC236}">
+                <a16:creationId xmlns:a16="http://schemas.microsoft.com/office/drawing/2014/main" id="{B4AC89AC-1354-C73C-1997-ABC18758A679}"/>
+              </a:ext>
+            </a:extLst>
+          </p:cNvPr>
+          <p:cNvSpPr>
+            <a:spLocks noGrp="1"/>
+          </p:cNvSpPr>
+          <p:nvPr>
+            <p:ph type="title"/>
+          </p:nvPr>
+        </p:nvSpPr>
+        <p:spPr/>
+        <p:txBody>
+          <a:bodyPr/>
+          <a:lstStyle/>
+          <a:p>
+            <a:r>
+              <a:rPr lang="en-US" dirty="0" err="1"/>
+              <a:t>Slide_title</a:t>
+            </a:r>
+            <a:endParaRPr lang="en-US" dirty="0"/>
+          </a:p>
+        </p:txBody>
+      </p:sp>
+      <p:sp>
+        <p:nvSpPr>
+          <p:cNvPr id="4" name="Content Placeholder 3">
+            <a:extLst>
+              <a:ext uri="{FF2B5EF4-FFF2-40B4-BE49-F238E27FC236}">
+                <a16:creationId xmlns:a16="http://schemas.microsoft.com/office/drawing/2014/main" id="{DBF7EA19-D0B2-B21C-A3D8-CD9CC1704F0B}"/>
+              </a:ext>
+            </a:extLst>
+          </p:cNvPr>
+          <p:cNvSpPr>
+            <a:spLocks noGrp="1"/>
+          </p:cNvSpPr>
+          <p:nvPr>
+            <p:ph sz="quarter" idx="11"/>
+          </p:nvPr>
+        </p:nvSpPr>
+        <p:spPr>
+          <a:xfrm>
+            <a:off x="631825" y="1088571"/>
+            <a:ext cx="10928350" cy="5632904"/>
+          </a:xfrm>
+        </p:spPr>
+        <p:txBody>
+          <a:bodyPr>
+            <a:normAutofit/>
+          </a:bodyPr>
+          <a:lstStyle/>
+          <a:p>
+            <a:pPr>
+              <a:lnSpc>
+                <a:spcPct val="115000"/>
+              </a:lnSpc>
+              <a:spcAft>
+                <a:spcPts val="800"/>
+              </a:spcAft>
+            </a:pPr>
+            <a:r>
+              <a:rPr lang="en-GB" sz="1800" kern="100" dirty="0" err="1">
+                <a:latin typeface="Aptos" panose="020B0004020202020204" pitchFamily="34" charset="0"/>
+                <a:ea typeface="PMingLiU" panose="02020500000000000000" pitchFamily="18" charset="-120"/>
+                <a:cs typeface="Arial" panose="020B0604020202020204" pitchFamily="34" charset="0"/>
+              </a:rPr>
+              <a:t>Column_text</a:t>
+            </a:r>
+            <a:endParaRPr lang="en-GB" sz="1200" kern="100" dirty="0">
+              <a:effectLst/>
+              <a:latin typeface="Aptos" panose="020B0004020202020204" pitchFamily="34" charset="0"/>
+              <a:ea typeface="PMingLiU" panose="02020500000000000000" pitchFamily="18" charset="-120"/>
+              <a:cs typeface="Arial" panose="020B0604020202020204" pitchFamily="34" charset="0"/>
+            </a:endParaRPr>
+          </a:p>
+          <a:p>
+            <a:pPr>
+              <a:lnSpc>
+                <a:spcPct val="115000"/>
+              </a:lnSpc>
+              <a:spcAft>
+                <a:spcPts val="800"/>
+              </a:spcAft>
+            </a:pPr>
+            <a:endParaRPr lang="en-US" dirty="0"/>
+          </a:p>
+        </p:txBody>
+      </p:sp>
+    </p:spTree>
+    <p:extLst>
+      <p:ext uri="{BB962C8B-B14F-4D97-AF65-F5344CB8AC3E}">
+        <p14:creationId xmlns:p14="http://schemas.microsoft.com/office/powerpoint/2010/main" val="3610647804"/>
+      </p:ext>
+    </p:extLst>
+  </p:cSld>
+  <p:clrMapOvr>
+    <a:masterClrMapping/>
+  </p:clrMapOvr>
+  <mc:AlternateContent xmlns:mc="http://schemas.openxmlformats.org/markup-compatibility/2006">
+    <mc:Choice xmlns:p14="http://schemas.microsoft.com/office/powerpoint/2010/main" Requires="p14">
+      <p:transition spd="med" p14:dur="700">
+        <p:fade/>
+      </p:transition>
+    </mc:Choice>
+    <mc:Fallback>
+      <p:transition spd="med">
+        <p:fade/>
+      </p:transition>
+    </mc:Fallback>
+  </mc:AlternateContent>
+</p:sld>
+</file>
+
+<file path=ppt/slides/slide25.xml><?xml version="1.0" encoding="utf-8"?>
+<p:sld xmlns:a="http://schemas.openxmlformats.org/drawingml/2006/main" xmlns:r="http://schemas.openxmlformats.org/officeDocument/2006/relationships" xmlns:p="http://schemas.openxmlformats.org/presentationml/2006/main">
+  <p:cSld>
+    <p:spTree>
+      <p:nvGrpSpPr>
+        <p:cNvPr id="1" name="">
+          <a:extLst>
+            <a:ext uri="{FF2B5EF4-FFF2-40B4-BE49-F238E27FC236}">
+              <a16:creationId xmlns:a16="http://schemas.microsoft.com/office/drawing/2014/main" id="{AB7468C9-22C0-9820-65FC-87DAAA8D3D7F}"/>
+            </a:ext>
+          </a:extLst>
+        </p:cNvPr>
+        <p:cNvGrpSpPr/>
+        <p:nvPr/>
+      </p:nvGrpSpPr>
+      <p:grpSpPr>
+        <a:xfrm>
+          <a:off x="0" y="0"/>
+          <a:ext cx="0" cy="0"/>
+          <a:chOff x="0" y="0"/>
+          <a:chExt cx="0" cy="0"/>
+        </a:xfrm>
+      </p:grpSpPr>
+      <p:sp>
+        <p:nvSpPr>
+          <p:cNvPr id="2" name="Text Placeholder 1">
+            <a:extLst>
+              <a:ext uri="{FF2B5EF4-FFF2-40B4-BE49-F238E27FC236}">
+                <a16:creationId xmlns:a16="http://schemas.microsoft.com/office/drawing/2014/main" id="{F9A1E3CD-9001-F307-C03A-50438E636DA8}"/>
+              </a:ext>
+            </a:extLst>
+          </p:cNvPr>
+          <p:cNvSpPr>
+            <a:spLocks noGrp="1"/>
+          </p:cNvSpPr>
+          <p:nvPr>
+            <p:ph type="body" sz="quarter" idx="10"/>
+          </p:nvPr>
+        </p:nvSpPr>
+        <p:spPr/>
+        <p:txBody>
+          <a:bodyPr/>
+          <a:lstStyle/>
+          <a:p>
+            <a:r>
+              <a:rPr lang="en-US" dirty="0" err="1"/>
+              <a:t>Slide_subtitle</a:t>
+            </a:r>
+            <a:endParaRPr lang="en-US" dirty="0"/>
+          </a:p>
+        </p:txBody>
+      </p:sp>
+      <p:sp>
+        <p:nvSpPr>
+          <p:cNvPr id="3" name="Title 2">
+            <a:extLst>
+              <a:ext uri="{FF2B5EF4-FFF2-40B4-BE49-F238E27FC236}">
+                <a16:creationId xmlns:a16="http://schemas.microsoft.com/office/drawing/2014/main" id="{D2490D09-97ED-9B5B-0EAB-AB1BE5640A91}"/>
+              </a:ext>
+            </a:extLst>
+          </p:cNvPr>
+          <p:cNvSpPr>
+            <a:spLocks noGrp="1"/>
+          </p:cNvSpPr>
+          <p:nvPr>
+            <p:ph type="title"/>
+          </p:nvPr>
+        </p:nvSpPr>
+        <p:spPr/>
+        <p:txBody>
+          <a:bodyPr/>
+          <a:lstStyle/>
+          <a:p>
+            <a:r>
+              <a:rPr lang="en-US" dirty="0" err="1"/>
+              <a:t>Slide_title</a:t>
+            </a:r>
+            <a:endParaRPr lang="en-US" dirty="0"/>
+          </a:p>
+        </p:txBody>
+      </p:sp>
+      <p:sp>
+        <p:nvSpPr>
+          <p:cNvPr id="4" name="Content Placeholder 3">
+            <a:extLst>
+              <a:ext uri="{FF2B5EF4-FFF2-40B4-BE49-F238E27FC236}">
+                <a16:creationId xmlns:a16="http://schemas.microsoft.com/office/drawing/2014/main" id="{6C624DA6-DC1F-C8EA-F320-834063B8C0AD}"/>
+              </a:ext>
+            </a:extLst>
+          </p:cNvPr>
+          <p:cNvSpPr>
+            <a:spLocks noGrp="1"/>
+          </p:cNvSpPr>
+          <p:nvPr>
+            <p:ph sz="quarter" idx="11"/>
+          </p:nvPr>
+        </p:nvSpPr>
+        <p:spPr>
+          <a:xfrm>
+            <a:off x="631825" y="1088571"/>
+            <a:ext cx="10928350" cy="5632904"/>
+          </a:xfrm>
+        </p:spPr>
+        <p:txBody>
+          <a:bodyPr>
+            <a:normAutofit/>
+          </a:bodyPr>
+          <a:lstStyle/>
+          <a:p>
+            <a:pPr>
+              <a:lnSpc>
+                <a:spcPct val="115000"/>
+              </a:lnSpc>
+              <a:spcAft>
+                <a:spcPts val="800"/>
+              </a:spcAft>
+            </a:pPr>
+            <a:r>
+              <a:rPr lang="en-GB" sz="1800" kern="100" dirty="0" err="1">
+                <a:latin typeface="Aptos" panose="020B0004020202020204" pitchFamily="34" charset="0"/>
+                <a:ea typeface="PMingLiU" panose="02020500000000000000" pitchFamily="18" charset="-120"/>
+                <a:cs typeface="Arial" panose="020B0604020202020204" pitchFamily="34" charset="0"/>
+              </a:rPr>
+              <a:t>Column_text</a:t>
+            </a:r>
+            <a:endParaRPr lang="en-GB" sz="1200" kern="100" dirty="0">
+              <a:effectLst/>
+              <a:latin typeface="Aptos" panose="020B0004020202020204" pitchFamily="34" charset="0"/>
+              <a:ea typeface="PMingLiU" panose="02020500000000000000" pitchFamily="18" charset="-120"/>
+              <a:cs typeface="Arial" panose="020B0604020202020204" pitchFamily="34" charset="0"/>
+            </a:endParaRPr>
+          </a:p>
+          <a:p>
+            <a:pPr>
+              <a:lnSpc>
+                <a:spcPct val="115000"/>
+              </a:lnSpc>
+              <a:spcAft>
+                <a:spcPts val="800"/>
+              </a:spcAft>
+            </a:pPr>
+            <a:endParaRPr lang="en-US" dirty="0"/>
+          </a:p>
+        </p:txBody>
+      </p:sp>
+    </p:spTree>
+    <p:extLst>
+      <p:ext uri="{BB962C8B-B14F-4D97-AF65-F5344CB8AC3E}">
+        <p14:creationId xmlns:p14="http://schemas.microsoft.com/office/powerpoint/2010/main" val="609259147"/>
       </p:ext>
     </p:extLst>
   </p:cSld>
@@ -3626,7 +4546,7 @@
         <p:cNvPr id="1" name="">
           <a:extLst>
             <a:ext uri="{FF2B5EF4-FFF2-40B4-BE49-F238E27FC236}">
-              <a16:creationId xmlns:a16="http://schemas.microsoft.com/office/drawing/2014/main" id="{2CA6B330-9917-50AC-7860-DC18E0FDDE30}"/>
+              <a16:creationId xmlns:a16="http://schemas.microsoft.com/office/drawing/2014/main" id="{333DAB69-9CBB-CD4F-DF6F-7BBA8554B7A8}"/>
             </a:ext>
           </a:extLst>
         </p:cNvPr>
@@ -3646,7 +4566,7 @@
           <p:cNvPr id="2" name="Text Placeholder 1">
             <a:extLst>
               <a:ext uri="{FF2B5EF4-FFF2-40B4-BE49-F238E27FC236}">
-                <a16:creationId xmlns:a16="http://schemas.microsoft.com/office/drawing/2014/main" id="{7D1A4AB2-D45A-11CB-1D4C-D0D3B600C1D3}"/>
+                <a16:creationId xmlns:a16="http://schemas.microsoft.com/office/drawing/2014/main" id="{CE9EE738-0C23-3F8D-226D-EC8E97A04CF7}"/>
               </a:ext>
             </a:extLst>
           </p:cNvPr>
@@ -3675,7 +4595,7 @@
           <p:cNvPr id="3" name="Title 2">
             <a:extLst>
               <a:ext uri="{FF2B5EF4-FFF2-40B4-BE49-F238E27FC236}">
-                <a16:creationId xmlns:a16="http://schemas.microsoft.com/office/drawing/2014/main" id="{2751FEAE-DED8-B989-175E-448002BC0D4C}"/>
+                <a16:creationId xmlns:a16="http://schemas.microsoft.com/office/drawing/2014/main" id="{5C2CC463-88DB-3C14-F8DF-9A822EB2FA25}"/>
               </a:ext>
             </a:extLst>
           </p:cNvPr>
@@ -3704,7 +4624,7 @@
           <p:cNvPr id="4" name="Content Placeholder 3">
             <a:extLst>
               <a:ext uri="{FF2B5EF4-FFF2-40B4-BE49-F238E27FC236}">
-                <a16:creationId xmlns:a16="http://schemas.microsoft.com/office/drawing/2014/main" id="{6DD7EF1C-4888-E6EE-0288-EB81DAE850A3}"/>
+                <a16:creationId xmlns:a16="http://schemas.microsoft.com/office/drawing/2014/main" id="{620E7386-E22E-E160-A073-A9A2B871FCEA}"/>
               </a:ext>
             </a:extLst>
           </p:cNvPr>
@@ -3715,7 +4635,12 @@
             <p:ph sz="quarter" idx="11"/>
           </p:nvPr>
         </p:nvSpPr>
-        <p:spPr/>
+        <p:spPr>
+          <a:xfrm>
+            <a:off x="631825" y="1088571"/>
+            <a:ext cx="10928350" cy="5632904"/>
+          </a:xfrm>
+        </p:spPr>
         <p:txBody>
           <a:bodyPr>
             <a:normAutofit/>
@@ -3761,7 +4686,7 @@
     </p:spTree>
     <p:extLst>
       <p:ext uri="{BB962C8B-B14F-4D97-AF65-F5344CB8AC3E}">
-        <p14:creationId xmlns:p14="http://schemas.microsoft.com/office/powerpoint/2010/main" val="3435635072"/>
+        <p14:creationId xmlns:p14="http://schemas.microsoft.com/office/powerpoint/2010/main" val="841872169"/>
       </p:ext>
     </p:extLst>
   </p:cSld>
@@ -3791,7 +4716,7 @@
         <p:cNvPr id="1" name="">
           <a:extLst>
             <a:ext uri="{FF2B5EF4-FFF2-40B4-BE49-F238E27FC236}">
-              <a16:creationId xmlns:a16="http://schemas.microsoft.com/office/drawing/2014/main" id="{C44CA098-567A-4398-9EA6-1E0BEA27D0ED}"/>
+              <a16:creationId xmlns:a16="http://schemas.microsoft.com/office/drawing/2014/main" id="{CE14CBA3-FD28-6530-0D1A-CA3DA9B7D224}"/>
             </a:ext>
           </a:extLst>
         </p:cNvPr>
@@ -3811,7 +4736,7 @@
           <p:cNvPr id="2" name="Text Placeholder 1">
             <a:extLst>
               <a:ext uri="{FF2B5EF4-FFF2-40B4-BE49-F238E27FC236}">
-                <a16:creationId xmlns:a16="http://schemas.microsoft.com/office/drawing/2014/main" id="{0669A875-3530-BD9A-377F-5259ADC1E839}"/>
+                <a16:creationId xmlns:a16="http://schemas.microsoft.com/office/drawing/2014/main" id="{152E8208-EEA3-67FB-1C95-14A05E1E5F7A}"/>
               </a:ext>
             </a:extLst>
           </p:cNvPr>
@@ -3840,7 +4765,7 @@
           <p:cNvPr id="3" name="Title 2">
             <a:extLst>
               <a:ext uri="{FF2B5EF4-FFF2-40B4-BE49-F238E27FC236}">
-                <a16:creationId xmlns:a16="http://schemas.microsoft.com/office/drawing/2014/main" id="{64663B61-BC12-1713-A7DC-20B982AE2355}"/>
+                <a16:creationId xmlns:a16="http://schemas.microsoft.com/office/drawing/2014/main" id="{EA9E91DF-A0C5-4608-F5BB-81F3897C588C}"/>
               </a:ext>
             </a:extLst>
           </p:cNvPr>
@@ -3869,7 +4794,7 @@
           <p:cNvPr id="4" name="Content Placeholder 3">
             <a:extLst>
               <a:ext uri="{FF2B5EF4-FFF2-40B4-BE49-F238E27FC236}">
-                <a16:creationId xmlns:a16="http://schemas.microsoft.com/office/drawing/2014/main" id="{C57FC12A-BBEF-0116-FDF9-67BB18112F16}"/>
+                <a16:creationId xmlns:a16="http://schemas.microsoft.com/office/drawing/2014/main" id="{E25A4545-37BD-C719-F32A-940DE8B2B21C}"/>
               </a:ext>
             </a:extLst>
           </p:cNvPr>
@@ -3880,7 +4805,12 @@
             <p:ph sz="quarter" idx="11"/>
           </p:nvPr>
         </p:nvSpPr>
-        <p:spPr/>
+        <p:spPr>
+          <a:xfrm>
+            <a:off x="631825" y="1088571"/>
+            <a:ext cx="10928350" cy="5632904"/>
+          </a:xfrm>
+        </p:spPr>
         <p:txBody>
           <a:bodyPr>
             <a:normAutofit/>
@@ -3926,7 +4856,7 @@
     </p:spTree>
     <p:extLst>
       <p:ext uri="{BB962C8B-B14F-4D97-AF65-F5344CB8AC3E}">
-        <p14:creationId xmlns:p14="http://schemas.microsoft.com/office/powerpoint/2010/main" val="1308055211"/>
+        <p14:creationId xmlns:p14="http://schemas.microsoft.com/office/powerpoint/2010/main" val="335558281"/>
       </p:ext>
     </p:extLst>
   </p:cSld>
@@ -3956,7 +4886,7 @@
         <p:cNvPr id="1" name="">
           <a:extLst>
             <a:ext uri="{FF2B5EF4-FFF2-40B4-BE49-F238E27FC236}">
-              <a16:creationId xmlns:a16="http://schemas.microsoft.com/office/drawing/2014/main" id="{65866080-687F-1E65-FBD9-91654CD4B276}"/>
+              <a16:creationId xmlns:a16="http://schemas.microsoft.com/office/drawing/2014/main" id="{07E56E82-6C6D-0559-4162-249EB24BC36E}"/>
             </a:ext>
           </a:extLst>
         </p:cNvPr>
@@ -3976,7 +4906,7 @@
           <p:cNvPr id="2" name="Text Placeholder 1">
             <a:extLst>
               <a:ext uri="{FF2B5EF4-FFF2-40B4-BE49-F238E27FC236}">
-                <a16:creationId xmlns:a16="http://schemas.microsoft.com/office/drawing/2014/main" id="{EA2B096C-51BC-924B-AB36-2B2D2C4C335B}"/>
+                <a16:creationId xmlns:a16="http://schemas.microsoft.com/office/drawing/2014/main" id="{36B8CB38-36EA-BF18-F14B-788A20EFC6E3}"/>
               </a:ext>
             </a:extLst>
           </p:cNvPr>
@@ -4005,7 +4935,7 @@
           <p:cNvPr id="3" name="Title 2">
             <a:extLst>
               <a:ext uri="{FF2B5EF4-FFF2-40B4-BE49-F238E27FC236}">
-                <a16:creationId xmlns:a16="http://schemas.microsoft.com/office/drawing/2014/main" id="{DC8C9E85-D684-91FA-88DC-F82128A3619A}"/>
+                <a16:creationId xmlns:a16="http://schemas.microsoft.com/office/drawing/2014/main" id="{0937FF80-1E3B-4D47-359C-EC3B34B5A4F3}"/>
               </a:ext>
             </a:extLst>
           </p:cNvPr>
@@ -4034,7 +4964,7 @@
           <p:cNvPr id="4" name="Content Placeholder 3">
             <a:extLst>
               <a:ext uri="{FF2B5EF4-FFF2-40B4-BE49-F238E27FC236}">
-                <a16:creationId xmlns:a16="http://schemas.microsoft.com/office/drawing/2014/main" id="{048BD680-41ED-1AB4-79B3-EDFFF898FED7}"/>
+                <a16:creationId xmlns:a16="http://schemas.microsoft.com/office/drawing/2014/main" id="{6A6A07E0-0417-6C5F-132F-8623B858AF24}"/>
               </a:ext>
             </a:extLst>
           </p:cNvPr>
@@ -4045,7 +4975,12 @@
             <p:ph sz="quarter" idx="11"/>
           </p:nvPr>
         </p:nvSpPr>
-        <p:spPr/>
+        <p:spPr>
+          <a:xfrm>
+            <a:off x="631825" y="1088571"/>
+            <a:ext cx="10928350" cy="5632904"/>
+          </a:xfrm>
+        </p:spPr>
         <p:txBody>
           <a:bodyPr>
             <a:normAutofit/>
@@ -4091,7 +5026,7 @@
     </p:spTree>
     <p:extLst>
       <p:ext uri="{BB962C8B-B14F-4D97-AF65-F5344CB8AC3E}">
-        <p14:creationId xmlns:p14="http://schemas.microsoft.com/office/powerpoint/2010/main" val="1975525360"/>
+        <p14:creationId xmlns:p14="http://schemas.microsoft.com/office/powerpoint/2010/main" val="597519054"/>
       </p:ext>
     </p:extLst>
   </p:cSld>
@@ -4121,7 +5056,7 @@
         <p:cNvPr id="1" name="">
           <a:extLst>
             <a:ext uri="{FF2B5EF4-FFF2-40B4-BE49-F238E27FC236}">
-              <a16:creationId xmlns:a16="http://schemas.microsoft.com/office/drawing/2014/main" id="{A2FF51E4-B8D1-87A9-1997-42D4FD5862DC}"/>
+              <a16:creationId xmlns:a16="http://schemas.microsoft.com/office/drawing/2014/main" id="{997D0563-6729-BA30-2C3A-3CC0A716AB31}"/>
             </a:ext>
           </a:extLst>
         </p:cNvPr>
@@ -4141,7 +5076,7 @@
           <p:cNvPr id="2" name="Text Placeholder 1">
             <a:extLst>
               <a:ext uri="{FF2B5EF4-FFF2-40B4-BE49-F238E27FC236}">
-                <a16:creationId xmlns:a16="http://schemas.microsoft.com/office/drawing/2014/main" id="{83436749-5D7A-49D2-2352-591EC51BF630}"/>
+                <a16:creationId xmlns:a16="http://schemas.microsoft.com/office/drawing/2014/main" id="{4D769418-4B04-1275-5CB6-F8D8F3A1B230}"/>
               </a:ext>
             </a:extLst>
           </p:cNvPr>
@@ -4170,7 +5105,7 @@
           <p:cNvPr id="3" name="Title 2">
             <a:extLst>
               <a:ext uri="{FF2B5EF4-FFF2-40B4-BE49-F238E27FC236}">
-                <a16:creationId xmlns:a16="http://schemas.microsoft.com/office/drawing/2014/main" id="{BAC7EFB3-489D-F672-BA38-02B388E041EA}"/>
+                <a16:creationId xmlns:a16="http://schemas.microsoft.com/office/drawing/2014/main" id="{8867DE94-B8A7-84CA-DCC6-24F15689487A}"/>
               </a:ext>
             </a:extLst>
           </p:cNvPr>
@@ -4199,7 +5134,7 @@
           <p:cNvPr id="4" name="Content Placeholder 3">
             <a:extLst>
               <a:ext uri="{FF2B5EF4-FFF2-40B4-BE49-F238E27FC236}">
-                <a16:creationId xmlns:a16="http://schemas.microsoft.com/office/drawing/2014/main" id="{F520927C-DE10-6964-0237-F48164256AC1}"/>
+                <a16:creationId xmlns:a16="http://schemas.microsoft.com/office/drawing/2014/main" id="{A28032BD-2437-971A-F32F-12AF84AE675B}"/>
               </a:ext>
             </a:extLst>
           </p:cNvPr>
@@ -4210,7 +5145,12 @@
             <p:ph sz="quarter" idx="11"/>
           </p:nvPr>
         </p:nvSpPr>
-        <p:spPr/>
+        <p:spPr>
+          <a:xfrm>
+            <a:off x="631825" y="1088571"/>
+            <a:ext cx="10928350" cy="5632904"/>
+          </a:xfrm>
+        </p:spPr>
         <p:txBody>
           <a:bodyPr>
             <a:normAutofit/>
@@ -4256,7 +5196,7 @@
     </p:spTree>
     <p:extLst>
       <p:ext uri="{BB962C8B-B14F-4D97-AF65-F5344CB8AC3E}">
-        <p14:creationId xmlns:p14="http://schemas.microsoft.com/office/powerpoint/2010/main" val="1252449217"/>
+        <p14:creationId xmlns:p14="http://schemas.microsoft.com/office/powerpoint/2010/main" val="2058454535"/>
       </p:ext>
     </p:extLst>
   </p:cSld>
@@ -4286,7 +5226,7 @@
         <p:cNvPr id="1" name="">
           <a:extLst>
             <a:ext uri="{FF2B5EF4-FFF2-40B4-BE49-F238E27FC236}">
-              <a16:creationId xmlns:a16="http://schemas.microsoft.com/office/drawing/2014/main" id="{13E8A0B7-D93A-EB14-A848-029276A16849}"/>
+              <a16:creationId xmlns:a16="http://schemas.microsoft.com/office/drawing/2014/main" id="{A127A129-5AAA-81C1-3827-1A7711CD99FE}"/>
             </a:ext>
           </a:extLst>
         </p:cNvPr>
@@ -4306,7 +5246,7 @@
           <p:cNvPr id="2" name="Text Placeholder 1">
             <a:extLst>
               <a:ext uri="{FF2B5EF4-FFF2-40B4-BE49-F238E27FC236}">
-                <a16:creationId xmlns:a16="http://schemas.microsoft.com/office/drawing/2014/main" id="{EF575E2B-7006-67AD-8322-CC6FCDD8AB38}"/>
+                <a16:creationId xmlns:a16="http://schemas.microsoft.com/office/drawing/2014/main" id="{BE33DA26-FFD5-E21A-896B-3DC087CBF7B6}"/>
               </a:ext>
             </a:extLst>
           </p:cNvPr>
@@ -4335,7 +5275,7 @@
           <p:cNvPr id="3" name="Title 2">
             <a:extLst>
               <a:ext uri="{FF2B5EF4-FFF2-40B4-BE49-F238E27FC236}">
-                <a16:creationId xmlns:a16="http://schemas.microsoft.com/office/drawing/2014/main" id="{5FDC4BF4-FC60-993F-AA5A-71D1D0FD68AC}"/>
+                <a16:creationId xmlns:a16="http://schemas.microsoft.com/office/drawing/2014/main" id="{63C1E68E-D5B5-6755-897E-6794E77A7237}"/>
               </a:ext>
             </a:extLst>
           </p:cNvPr>
@@ -4364,7 +5304,7 @@
           <p:cNvPr id="4" name="Content Placeholder 3">
             <a:extLst>
               <a:ext uri="{FF2B5EF4-FFF2-40B4-BE49-F238E27FC236}">
-                <a16:creationId xmlns:a16="http://schemas.microsoft.com/office/drawing/2014/main" id="{79744D7E-3B56-0B95-C353-55F5F811143A}"/>
+                <a16:creationId xmlns:a16="http://schemas.microsoft.com/office/drawing/2014/main" id="{FC48B479-795C-41D6-725D-AE6B479490D2}"/>
               </a:ext>
             </a:extLst>
           </p:cNvPr>
@@ -4375,7 +5315,12 @@
             <p:ph sz="quarter" idx="11"/>
           </p:nvPr>
         </p:nvSpPr>
-        <p:spPr/>
+        <p:spPr>
+          <a:xfrm>
+            <a:off x="631825" y="1088571"/>
+            <a:ext cx="10928350" cy="5632904"/>
+          </a:xfrm>
+        </p:spPr>
         <p:txBody>
           <a:bodyPr>
             <a:normAutofit/>
@@ -4421,7 +5366,7 @@
     </p:spTree>
     <p:extLst>
       <p:ext uri="{BB962C8B-B14F-4D97-AF65-F5344CB8AC3E}">
-        <p14:creationId xmlns:p14="http://schemas.microsoft.com/office/powerpoint/2010/main" val="1214113053"/>
+        <p14:creationId xmlns:p14="http://schemas.microsoft.com/office/powerpoint/2010/main" val="1825207067"/>
       </p:ext>
     </p:extLst>
   </p:cSld>
@@ -4451,7 +5396,7 @@
         <p:cNvPr id="1" name="">
           <a:extLst>
             <a:ext uri="{FF2B5EF4-FFF2-40B4-BE49-F238E27FC236}">
-              <a16:creationId xmlns:a16="http://schemas.microsoft.com/office/drawing/2014/main" id="{D3875B3A-8963-9807-395D-1C17A885DDEA}"/>
+              <a16:creationId xmlns:a16="http://schemas.microsoft.com/office/drawing/2014/main" id="{BC9E384E-E007-743E-C572-B55B7EE5E30A}"/>
             </a:ext>
           </a:extLst>
         </p:cNvPr>
@@ -4471,7 +5416,7 @@
           <p:cNvPr id="2" name="Text Placeholder 1">
             <a:extLst>
               <a:ext uri="{FF2B5EF4-FFF2-40B4-BE49-F238E27FC236}">
-                <a16:creationId xmlns:a16="http://schemas.microsoft.com/office/drawing/2014/main" id="{B318B071-7496-45DB-BBF9-FD178CBF1C2C}"/>
+                <a16:creationId xmlns:a16="http://schemas.microsoft.com/office/drawing/2014/main" id="{08AAF305-B519-1B38-AA70-EA3C85D368B1}"/>
               </a:ext>
             </a:extLst>
           </p:cNvPr>
@@ -4500,7 +5445,7 @@
           <p:cNvPr id="3" name="Title 2">
             <a:extLst>
               <a:ext uri="{FF2B5EF4-FFF2-40B4-BE49-F238E27FC236}">
-                <a16:creationId xmlns:a16="http://schemas.microsoft.com/office/drawing/2014/main" id="{DF66AD5D-B20A-106D-58FB-CE6C1B3419E4}"/>
+                <a16:creationId xmlns:a16="http://schemas.microsoft.com/office/drawing/2014/main" id="{7AC1BE79-E148-A732-B8E6-44CA96A6273F}"/>
               </a:ext>
             </a:extLst>
           </p:cNvPr>
@@ -4529,7 +5474,7 @@
           <p:cNvPr id="4" name="Content Placeholder 3">
             <a:extLst>
               <a:ext uri="{FF2B5EF4-FFF2-40B4-BE49-F238E27FC236}">
-                <a16:creationId xmlns:a16="http://schemas.microsoft.com/office/drawing/2014/main" id="{B8AD0D9A-8733-F4E3-868E-6359689CD4D8}"/>
+                <a16:creationId xmlns:a16="http://schemas.microsoft.com/office/drawing/2014/main" id="{EAA94EE6-3AEE-5F0F-DEEA-FCE658319362}"/>
               </a:ext>
             </a:extLst>
           </p:cNvPr>
@@ -4540,7 +5485,12 @@
             <p:ph sz="quarter" idx="11"/>
           </p:nvPr>
         </p:nvSpPr>
-        <p:spPr/>
+        <p:spPr>
+          <a:xfrm>
+            <a:off x="631825" y="1088571"/>
+            <a:ext cx="10928350" cy="5632904"/>
+          </a:xfrm>
+        </p:spPr>
         <p:txBody>
           <a:bodyPr>
             <a:normAutofit/>
@@ -4586,7 +5536,7 @@
     </p:spTree>
     <p:extLst>
       <p:ext uri="{BB962C8B-B14F-4D97-AF65-F5344CB8AC3E}">
-        <p14:creationId xmlns:p14="http://schemas.microsoft.com/office/powerpoint/2010/main" val="149852074"/>
+        <p14:creationId xmlns:p14="http://schemas.microsoft.com/office/powerpoint/2010/main" val="2468195192"/>
       </p:ext>
     </p:extLst>
   </p:cSld>
@@ -4616,7 +5566,7 @@
         <p:cNvPr id="1" name="">
           <a:extLst>
             <a:ext uri="{FF2B5EF4-FFF2-40B4-BE49-F238E27FC236}">
-              <a16:creationId xmlns:a16="http://schemas.microsoft.com/office/drawing/2014/main" id="{ECE95853-B3C4-723A-3BE0-0718915CA44A}"/>
+              <a16:creationId xmlns:a16="http://schemas.microsoft.com/office/drawing/2014/main" id="{4B1C4B65-0534-C1A1-BF54-8F8C6CACCC0F}"/>
             </a:ext>
           </a:extLst>
         </p:cNvPr>
@@ -4636,7 +5586,7 @@
           <p:cNvPr id="2" name="Text Placeholder 1">
             <a:extLst>
               <a:ext uri="{FF2B5EF4-FFF2-40B4-BE49-F238E27FC236}">
-                <a16:creationId xmlns:a16="http://schemas.microsoft.com/office/drawing/2014/main" id="{07CA379A-402D-F3EF-C7E1-C57982856BDA}"/>
+                <a16:creationId xmlns:a16="http://schemas.microsoft.com/office/drawing/2014/main" id="{011419CA-5318-1E49-C75F-933AF57BC2AB}"/>
               </a:ext>
             </a:extLst>
           </p:cNvPr>
@@ -4665,7 +5615,7 @@
           <p:cNvPr id="3" name="Title 2">
             <a:extLst>
               <a:ext uri="{FF2B5EF4-FFF2-40B4-BE49-F238E27FC236}">
-                <a16:creationId xmlns:a16="http://schemas.microsoft.com/office/drawing/2014/main" id="{3DAB5143-319A-229B-2BC4-4E5107B29DDD}"/>
+                <a16:creationId xmlns:a16="http://schemas.microsoft.com/office/drawing/2014/main" id="{6A28FAD5-F3DB-0D4B-BCEA-FABD4A054015}"/>
               </a:ext>
             </a:extLst>
           </p:cNvPr>
@@ -4694,7 +5644,7 @@
           <p:cNvPr id="4" name="Content Placeholder 3">
             <a:extLst>
               <a:ext uri="{FF2B5EF4-FFF2-40B4-BE49-F238E27FC236}">
-                <a16:creationId xmlns:a16="http://schemas.microsoft.com/office/drawing/2014/main" id="{B5190BA8-B207-548C-9BD4-F60921581DCC}"/>
+                <a16:creationId xmlns:a16="http://schemas.microsoft.com/office/drawing/2014/main" id="{7BE6C79C-DCC7-2CEC-FB74-37F4FCF2F4A6}"/>
               </a:ext>
             </a:extLst>
           </p:cNvPr>
@@ -4705,7 +5655,12 @@
             <p:ph sz="quarter" idx="11"/>
           </p:nvPr>
         </p:nvSpPr>
-        <p:spPr/>
+        <p:spPr>
+          <a:xfrm>
+            <a:off x="631825" y="1088571"/>
+            <a:ext cx="10928350" cy="5632904"/>
+          </a:xfrm>
+        </p:spPr>
         <p:txBody>
           <a:bodyPr>
             <a:normAutofit/>
@@ -4751,7 +5706,7 @@
     </p:spTree>
     <p:extLst>
       <p:ext uri="{BB962C8B-B14F-4D97-AF65-F5344CB8AC3E}">
-        <p14:creationId xmlns:p14="http://schemas.microsoft.com/office/powerpoint/2010/main" val="1787204017"/>
+        <p14:creationId xmlns:p14="http://schemas.microsoft.com/office/powerpoint/2010/main" val="292809289"/>
       </p:ext>
     </p:extLst>
   </p:cSld>
@@ -5450,6 +6405,26 @@
 </file>
 
 <file path=customXml/item1.xml><?xml version="1.0" encoding="utf-8"?>
+<?mso-contentType ?>
+<FormTemplates xmlns="http://schemas.microsoft.com/sharepoint/v3/contenttype/forms">
+  <Display>DocumentLibraryForm</Display>
+  <Edit>DocumentLibraryForm</Edit>
+  <New>DocumentLibraryForm</New>
+</FormTemplates>
+</file>
+
+<file path=customXml/item2.xml><?xml version="1.0" encoding="utf-8"?>
+<p:properties xmlns:p="http://schemas.microsoft.com/office/2006/metadata/properties" xmlns:xsi="http://www.w3.org/2001/XMLSchema-instance" xmlns:pc="http://schemas.microsoft.com/office/infopath/2007/PartnerControls">
+  <documentManagement>
+    <TaxCatchAll xmlns="9bea065c-4598-471b-a0d8-b208471d6a41" xsi:nil="true"/>
+    <lcf76f155ced4ddcb4097134ff3c332f xmlns="737cdb0d-9f15-48ec-9529-975a91239bb1">
+      <Terms xmlns="http://schemas.microsoft.com/office/infopath/2007/PartnerControls"/>
+    </lcf76f155ced4ddcb4097134ff3c332f>
+  </documentManagement>
+</p:properties>
+</file>
+
+<file path=customXml/item3.xml><?xml version="1.0" encoding="utf-8"?>
 <ct:contentTypeSchema xmlns:ct="http://schemas.microsoft.com/office/2006/metadata/contentType" xmlns:ma="http://schemas.microsoft.com/office/2006/metadata/properties/metaAttributes" ct:_="" ma:_="" ma:contentTypeName="Document" ma:contentTypeID="0x010100A2CD2B7DD7D5E348A4B5B847AD49C1E4" ma:contentTypeVersion="15" ma:contentTypeDescription="Create a new document." ma:contentTypeScope="" ma:versionID="8e0e392dcf65750e3ad704a59f705fb3">
   <xsd:schema xmlns:xsd="http://www.w3.org/2001/XMLSchema" xmlns:xs="http://www.w3.org/2001/XMLSchema" xmlns:p="http://schemas.microsoft.com/office/2006/metadata/properties" xmlns:ns2="737cdb0d-9f15-48ec-9529-975a91239bb1" xmlns:ns3="9bea065c-4598-471b-a0d8-b208471d6a41" targetNamespace="http://schemas.microsoft.com/office/2006/metadata/properties" ma:root="true" ma:fieldsID="16d7d9ff6e2e2d483fddd166083c89fa" ns2:_="" ns3:_="">
     <xsd:import namespace="737cdb0d-9f15-48ec-9529-975a91239bb1"/>
@@ -5684,41 +6659,10 @@
 </ct:contentTypeSchema>
 </file>
 
-<file path=customXml/item2.xml><?xml version="1.0" encoding="utf-8"?>
-<p:properties xmlns:p="http://schemas.microsoft.com/office/2006/metadata/properties" xmlns:xsi="http://www.w3.org/2001/XMLSchema-instance" xmlns:pc="http://schemas.microsoft.com/office/infopath/2007/PartnerControls">
-  <documentManagement>
-    <TaxCatchAll xmlns="9bea065c-4598-471b-a0d8-b208471d6a41" xsi:nil="true"/>
-    <lcf76f155ced4ddcb4097134ff3c332f xmlns="737cdb0d-9f15-48ec-9529-975a91239bb1">
-      <Terms xmlns="http://schemas.microsoft.com/office/infopath/2007/PartnerControls"/>
-    </lcf76f155ced4ddcb4097134ff3c332f>
-  </documentManagement>
-</p:properties>
-</file>
-
-<file path=customXml/item3.xml><?xml version="1.0" encoding="utf-8"?>
-<?mso-contentType ?>
-<FormTemplates xmlns="http://schemas.microsoft.com/sharepoint/v3/contenttype/forms">
-  <Display>DocumentLibraryForm</Display>
-  <Edit>DocumentLibraryForm</Edit>
-  <New>DocumentLibraryForm</New>
-</FormTemplates>
-</file>
-
 <file path=customXml/itemProps1.xml><?xml version="1.0" encoding="utf-8"?>
-<ds:datastoreItem xmlns:ds="http://schemas.openxmlformats.org/officeDocument/2006/customXml" ds:itemID="{C4D443D4-D2BB-47D9-93BA-F264F5B47780}">
+<ds:datastoreItem xmlns:ds="http://schemas.openxmlformats.org/officeDocument/2006/customXml" ds:itemID="{3BB299B6-1159-4940-B296-E198453C8E80}">
   <ds:schemaRefs>
-    <ds:schemaRef ds:uri="737cdb0d-9f15-48ec-9529-975a91239bb1"/>
-    <ds:schemaRef ds:uri="9bea065c-4598-471b-a0d8-b208471d6a41"/>
-    <ds:schemaRef ds:uri="http://purl.org/dc/elements/1.1/"/>
-    <ds:schemaRef ds:uri="http://purl.org/dc/terms/"/>
-    <ds:schemaRef ds:uri="http://schemas.microsoft.com/internal/obd"/>
-    <ds:schemaRef ds:uri="http://schemas.microsoft.com/office/2006/documentManagement/types"/>
-    <ds:schemaRef ds:uri="http://schemas.microsoft.com/office/2006/metadata/contentType"/>
-    <ds:schemaRef ds:uri="http://schemas.microsoft.com/office/2006/metadata/properties"/>
-    <ds:schemaRef ds:uri="http://schemas.microsoft.com/office/2006/metadata/properties/metaAttributes"/>
-    <ds:schemaRef ds:uri="http://schemas.microsoft.com/office/infopath/2007/PartnerControls"/>
-    <ds:schemaRef ds:uri="http://schemas.openxmlformats.org/package/2006/metadata/core-properties"/>
-    <ds:schemaRef ds:uri="http://www.w3.org/2001/XMLSchema"/>
+    <ds:schemaRef ds:uri="http://schemas.microsoft.com/sharepoint/v3/contenttype/forms"/>
   </ds:schemaRefs>
 </ds:datastoreItem>
 </file>
@@ -5741,9 +6685,20 @@
 </file>
 
 <file path=customXml/itemProps3.xml><?xml version="1.0" encoding="utf-8"?>
-<ds:datastoreItem xmlns:ds="http://schemas.openxmlformats.org/officeDocument/2006/customXml" ds:itemID="{3BB299B6-1159-4940-B296-E198453C8E80}">
+<ds:datastoreItem xmlns:ds="http://schemas.openxmlformats.org/officeDocument/2006/customXml" ds:itemID="{C4D443D4-D2BB-47D9-93BA-F264F5B47780}">
   <ds:schemaRefs>
-    <ds:schemaRef ds:uri="http://schemas.microsoft.com/sharepoint/v3/contenttype/forms"/>
+    <ds:schemaRef ds:uri="737cdb0d-9f15-48ec-9529-975a91239bb1"/>
+    <ds:schemaRef ds:uri="9bea065c-4598-471b-a0d8-b208471d6a41"/>
+    <ds:schemaRef ds:uri="http://purl.org/dc/elements/1.1/"/>
+    <ds:schemaRef ds:uri="http://purl.org/dc/terms/"/>
+    <ds:schemaRef ds:uri="http://schemas.microsoft.com/internal/obd"/>
+    <ds:schemaRef ds:uri="http://schemas.microsoft.com/office/2006/documentManagement/types"/>
+    <ds:schemaRef ds:uri="http://schemas.microsoft.com/office/2006/metadata/contentType"/>
+    <ds:schemaRef ds:uri="http://schemas.microsoft.com/office/2006/metadata/properties"/>
+    <ds:schemaRef ds:uri="http://schemas.microsoft.com/office/2006/metadata/properties/metaAttributes"/>
+    <ds:schemaRef ds:uri="http://schemas.microsoft.com/office/infopath/2007/PartnerControls"/>
+    <ds:schemaRef ds:uri="http://schemas.openxmlformats.org/package/2006/metadata/core-properties"/>
+    <ds:schemaRef ds:uri="http://www.w3.org/2001/XMLSchema"/>
   </ds:schemaRefs>
 </ds:datastoreItem>
 </file>